--- a/m1_데이터베이스/md_3 실습 ERD.pptx
+++ b/m1_데이터베이스/md_3 실습 ERD.pptx
@@ -5,7 +5,9 @@
     <p:sldMasterId id="2147483648" r:id="rId1"/>
   </p:sldMasterIdLst>
   <p:sldIdLst>
-    <p:sldId id="257" r:id="rId2"/>
+    <p:sldId id="259" r:id="rId2"/>
+    <p:sldId id="260" r:id="rId3"/>
+    <p:sldId id="261" r:id="rId4"/>
   </p:sldIdLst>
   <p:sldSz cx="12192000" cy="6858000"/>
   <p:notesSz cx="6858000" cy="9144000"/>
@@ -104,6 +106,11 @@
       </a:defRPr>
     </a:lvl9pPr>
   </p:defaultTextStyle>
+  <p:extLst>
+    <p:ext uri="{EFAFB233-063F-42B5-8137-9DF3F51BA10A}">
+      <p15:sldGuideLst xmlns:p15="http://schemas.microsoft.com/office/powerpoint/2012/main"/>
+    </p:ext>
+  </p:extLst>
 </p:presentation>
 </file>
 
@@ -3412,12 +3419,673 @@
           <a:chExt cx="0" cy="0"/>
         </a:xfrm>
       </p:grpSpPr>
+      <p:sp>
+        <p:nvSpPr>
+          <p:cNvPr id="2" name="제목 1">
+            <a:extLst>
+              <a:ext uri="{FF2B5EF4-FFF2-40B4-BE49-F238E27FC236}">
+                <a16:creationId xmlns:a16="http://schemas.microsoft.com/office/drawing/2014/main" id="{56234267-E8F9-EAAD-AEAF-3CE656A61B63}"/>
+              </a:ext>
+            </a:extLst>
+          </p:cNvPr>
+          <p:cNvSpPr>
+            <a:spLocks noGrp="1"/>
+          </p:cNvSpPr>
+          <p:nvPr>
+            <p:ph type="ctrTitle"/>
+          </p:nvPr>
+        </p:nvSpPr>
+        <p:spPr/>
+        <p:txBody>
+          <a:bodyPr anchor="ctr"/>
+          <a:lstStyle/>
+          <a:p>
+            <a:r>
+              <a:rPr lang="ko-KR" altLang="en-US" b="1"/>
+              <a:t>학생 관리 </a:t>
+            </a:r>
+            <a:r>
+              <a:rPr lang="en-US" altLang="ko-KR" b="1"/>
+              <a:t>DB ERD</a:t>
+            </a:r>
+            <a:endParaRPr lang="ko-KR" altLang="en-US" b="1" dirty="0"/>
+          </a:p>
+        </p:txBody>
+      </p:sp>
+      <p:sp>
+        <p:nvSpPr>
+          <p:cNvPr id="3" name="부제목 2">
+            <a:extLst>
+              <a:ext uri="{FF2B5EF4-FFF2-40B4-BE49-F238E27FC236}">
+                <a16:creationId xmlns:a16="http://schemas.microsoft.com/office/drawing/2014/main" id="{031C24B4-92AC-784B-6F1C-B4DE32E4F85B}"/>
+              </a:ext>
+            </a:extLst>
+          </p:cNvPr>
+          <p:cNvSpPr>
+            <a:spLocks noGrp="1"/>
+          </p:cNvSpPr>
+          <p:nvPr>
+            <p:ph type="subTitle" idx="1"/>
+          </p:nvPr>
+        </p:nvSpPr>
+        <p:spPr/>
+        <p:txBody>
+          <a:bodyPr anchor="ctr"/>
+          <a:lstStyle/>
+          <a:p>
+            <a:r>
+              <a:rPr lang="en-US" altLang="ko-KR" b="1"/>
+              <a:t>2</a:t>
+            </a:r>
+            <a:r>
+              <a:rPr lang="ko-KR" altLang="en-US" b="1"/>
+              <a:t>팀 김한결</a:t>
+            </a:r>
+            <a:r>
+              <a:rPr lang="en-US" altLang="ko-KR" b="1"/>
+              <a:t>, </a:t>
+            </a:r>
+            <a:r>
+              <a:rPr lang="ko-KR" altLang="en-US" b="1"/>
+              <a:t>김도현</a:t>
+            </a:r>
+            <a:endParaRPr lang="ko-KR" altLang="en-US" b="1" dirty="0"/>
+          </a:p>
+        </p:txBody>
+      </p:sp>
+    </p:spTree>
+    <p:extLst>
+      <p:ext uri="{BB962C8B-B14F-4D97-AF65-F5344CB8AC3E}">
+        <p14:creationId xmlns:p14="http://schemas.microsoft.com/office/powerpoint/2010/main" val="2998393477"/>
+      </p:ext>
+    </p:extLst>
+  </p:cSld>
+  <p:clrMapOvr>
+    <a:masterClrMapping/>
+  </p:clrMapOvr>
+</p:sld>
+</file>
+
+<file path=ppt/slides/slide2.xml><?xml version="1.0" encoding="utf-8"?>
+<p:sld xmlns:a="http://schemas.openxmlformats.org/drawingml/2006/main" xmlns:r="http://schemas.openxmlformats.org/officeDocument/2006/relationships" xmlns:p="http://schemas.openxmlformats.org/presentationml/2006/main">
+  <p:cSld>
+    <p:bg>
+      <p:bgPr>
+        <a:solidFill>
+          <a:schemeClr val="bg1"/>
+        </a:solidFill>
+        <a:effectLst/>
+      </p:bgPr>
+    </p:bg>
+    <p:spTree>
+      <p:nvGrpSpPr>
+        <p:cNvPr id="1" name=""/>
+        <p:cNvGrpSpPr/>
+        <p:nvPr/>
+      </p:nvGrpSpPr>
+      <p:grpSpPr>
+        <a:xfrm>
+          <a:off x="0" y="0"/>
+          <a:ext cx="0" cy="0"/>
+          <a:chOff x="0" y="0"/>
+          <a:chExt cx="0" cy="0"/>
+        </a:xfrm>
+      </p:grpSpPr>
+      <p:sp>
+        <p:nvSpPr>
+          <p:cNvPr id="20" name="Rectangle 19">
+            <a:extLst>
+              <a:ext uri="{FF2B5EF4-FFF2-40B4-BE49-F238E27FC236}">
+                <a16:creationId xmlns:a16="http://schemas.microsoft.com/office/drawing/2014/main" id="{F3060C83-F051-4F0E-ABAD-AA0DFC48B218}"/>
+              </a:ext>
+              <a:ext uri="{C183D7F6-B498-43B3-948B-1728B52AA6E4}">
+                <adec:decorative xmlns:adec="http://schemas.microsoft.com/office/drawing/2017/decorative" val="1"/>
+              </a:ext>
+            </a:extLst>
+          </p:cNvPr>
+          <p:cNvSpPr>
+            <a:spLocks noGrp="1" noRot="1" noChangeAspect="1" noMove="1" noResize="1" noEditPoints="1" noAdjustHandles="1" noChangeArrowheads="1" noChangeShapeType="1" noTextEdit="1"/>
+          </p:cNvSpPr>
+          <p:nvPr>
+            <p:extLst>
+              <p:ext uri="{386F3935-93C4-4BCD-93E2-E3B085C9AB24}">
+                <p16:designElem xmlns:p16="http://schemas.microsoft.com/office/powerpoint/2015/main" val="1"/>
+              </p:ext>
+            </p:extLst>
+          </p:nvPr>
+        </p:nvSpPr>
+        <p:spPr>
+          <a:xfrm>
+            <a:off x="0" y="0"/>
+            <a:ext cx="12192000" cy="6858000"/>
+          </a:xfrm>
+          <a:prstGeom prst="rect">
+            <a:avLst/>
+          </a:prstGeom>
+          <a:solidFill>
+            <a:schemeClr val="bg1"/>
+          </a:solidFill>
+          <a:ln>
+            <a:noFill/>
+          </a:ln>
+        </p:spPr>
+        <p:style>
+          <a:lnRef idx="2">
+            <a:schemeClr val="accent1">
+              <a:shade val="50000"/>
+            </a:schemeClr>
+          </a:lnRef>
+          <a:fillRef idx="1">
+            <a:schemeClr val="accent1"/>
+          </a:fillRef>
+          <a:effectRef idx="0">
+            <a:schemeClr val="accent1"/>
+          </a:effectRef>
+          <a:fontRef idx="minor">
+            <a:schemeClr val="lt1"/>
+          </a:fontRef>
+        </p:style>
+        <p:txBody>
+          <a:bodyPr rtlCol="0" anchor="ctr"/>
+          <a:lstStyle/>
+          <a:p>
+            <a:pPr algn="ctr"/>
+            <a:endParaRPr lang="en-US" dirty="0"/>
+          </a:p>
+        </p:txBody>
+      </p:sp>
+      <p:sp>
+        <p:nvSpPr>
+          <p:cNvPr id="22" name="Freeform: Shape 21">
+            <a:extLst>
+              <a:ext uri="{FF2B5EF4-FFF2-40B4-BE49-F238E27FC236}">
+                <a16:creationId xmlns:a16="http://schemas.microsoft.com/office/drawing/2014/main" id="{83C98ABE-055B-441F-B07E-44F97F083C39}"/>
+              </a:ext>
+              <a:ext uri="{C183D7F6-B498-43B3-948B-1728B52AA6E4}">
+                <adec:decorative xmlns:adec="http://schemas.microsoft.com/office/drawing/2017/decorative" val="1"/>
+              </a:ext>
+            </a:extLst>
+          </p:cNvPr>
+          <p:cNvSpPr>
+            <a:spLocks noGrp="1" noRot="1" noChangeAspect="1" noMove="1" noResize="1" noEditPoints="1" noAdjustHandles="1" noChangeArrowheads="1" noChangeShapeType="1" noTextEdit="1"/>
+          </p:cNvSpPr>
+          <p:nvPr>
+            <p:extLst>
+              <p:ext uri="{386F3935-93C4-4BCD-93E2-E3B085C9AB24}">
+                <p16:designElem xmlns:p16="http://schemas.microsoft.com/office/powerpoint/2015/main" val="1"/>
+              </p:ext>
+            </p:extLst>
+          </p:nvPr>
+        </p:nvSpPr>
+        <p:spPr>
+          <a:xfrm rot="18900000" flipH="1">
+            <a:off x="-376156" y="-253670"/>
+            <a:ext cx="1827638" cy="1376989"/>
+          </a:xfrm>
+          <a:custGeom>
+            <a:avLst/>
+            <a:gdLst>
+              <a:gd name="connsiteX0" fmla="*/ 0 w 1827638"/>
+              <a:gd name="connsiteY0" fmla="*/ 987379 h 1376989"/>
+              <a:gd name="connsiteX1" fmla="*/ 987379 w 1827638"/>
+              <a:gd name="connsiteY1" fmla="*/ 0 h 1376989"/>
+              <a:gd name="connsiteX2" fmla="*/ 1827638 w 1827638"/>
+              <a:gd name="connsiteY2" fmla="*/ 840260 h 1376989"/>
+              <a:gd name="connsiteX3" fmla="*/ 1827638 w 1827638"/>
+              <a:gd name="connsiteY3" fmla="*/ 1376989 h 1376989"/>
+              <a:gd name="connsiteX4" fmla="*/ 0 w 1827638"/>
+              <a:gd name="connsiteY4" fmla="*/ 1376989 h 1376989"/>
+            </a:gdLst>
+            <a:ahLst/>
+            <a:cxnLst>
+              <a:cxn ang="0">
+                <a:pos x="connsiteX0" y="connsiteY0"/>
+              </a:cxn>
+              <a:cxn ang="0">
+                <a:pos x="connsiteX1" y="connsiteY1"/>
+              </a:cxn>
+              <a:cxn ang="0">
+                <a:pos x="connsiteX2" y="connsiteY2"/>
+              </a:cxn>
+              <a:cxn ang="0">
+                <a:pos x="connsiteX3" y="connsiteY3"/>
+              </a:cxn>
+              <a:cxn ang="0">
+                <a:pos x="connsiteX4" y="connsiteY4"/>
+              </a:cxn>
+            </a:cxnLst>
+            <a:rect l="l" t="t" r="r" b="b"/>
+            <a:pathLst>
+              <a:path w="1827638" h="1376989">
+                <a:moveTo>
+                  <a:pt x="0" y="987379"/>
+                </a:moveTo>
+                <a:lnTo>
+                  <a:pt x="987379" y="0"/>
+                </a:lnTo>
+                <a:lnTo>
+                  <a:pt x="1827638" y="840260"/>
+                </a:lnTo>
+                <a:lnTo>
+                  <a:pt x="1827638" y="1376989"/>
+                </a:lnTo>
+                <a:lnTo>
+                  <a:pt x="0" y="1376989"/>
+                </a:lnTo>
+                <a:close/>
+              </a:path>
+            </a:pathLst>
+          </a:custGeom>
+          <a:solidFill>
+            <a:schemeClr val="accent1">
+              <a:alpha val="30000"/>
+            </a:schemeClr>
+          </a:solidFill>
+          <a:ln>
+            <a:noFill/>
+          </a:ln>
+        </p:spPr>
+        <p:style>
+          <a:lnRef idx="2">
+            <a:schemeClr val="accent1">
+              <a:shade val="50000"/>
+            </a:schemeClr>
+          </a:lnRef>
+          <a:fillRef idx="1">
+            <a:schemeClr val="accent1"/>
+          </a:fillRef>
+          <a:effectRef idx="0">
+            <a:schemeClr val="accent1"/>
+          </a:effectRef>
+          <a:fontRef idx="minor">
+            <a:schemeClr val="lt1"/>
+          </a:fontRef>
+        </p:style>
+        <p:txBody>
+          <a:bodyPr rtlCol="0" anchor="ctr"/>
+          <a:lstStyle/>
+          <a:p>
+            <a:pPr algn="ctr"/>
+            <a:endParaRPr lang="en-US" dirty="0"/>
+          </a:p>
+        </p:txBody>
+      </p:sp>
+      <p:sp>
+        <p:nvSpPr>
+          <p:cNvPr id="24" name="Rectangle 23">
+            <a:extLst>
+              <a:ext uri="{FF2B5EF4-FFF2-40B4-BE49-F238E27FC236}">
+                <a16:creationId xmlns:a16="http://schemas.microsoft.com/office/drawing/2014/main" id="{29FDB030-9B49-4CED-8CCD-4D99382388AC}"/>
+              </a:ext>
+              <a:ext uri="{C183D7F6-B498-43B3-948B-1728B52AA6E4}">
+                <adec:decorative xmlns:adec="http://schemas.microsoft.com/office/drawing/2017/decorative" val="1"/>
+              </a:ext>
+            </a:extLst>
+          </p:cNvPr>
+          <p:cNvSpPr>
+            <a:spLocks noGrp="1" noRot="1" noChangeAspect="1" noMove="1" noResize="1" noEditPoints="1" noAdjustHandles="1" noChangeArrowheads="1" noChangeShapeType="1" noTextEdit="1"/>
+          </p:cNvSpPr>
+          <p:nvPr>
+            <p:extLst>
+              <p:ext uri="{386F3935-93C4-4BCD-93E2-E3B085C9AB24}">
+                <p16:designElem xmlns:p16="http://schemas.microsoft.com/office/powerpoint/2015/main" val="1"/>
+              </p:ext>
+            </p:extLst>
+          </p:nvPr>
+        </p:nvSpPr>
+        <p:spPr>
+          <a:xfrm rot="18900000" flipH="1">
+            <a:off x="891641" y="422146"/>
+            <a:ext cx="645368" cy="645368"/>
+          </a:xfrm>
+          <a:prstGeom prst="rect">
+            <a:avLst/>
+          </a:prstGeom>
+          <a:solidFill>
+            <a:schemeClr val="accent1">
+              <a:alpha val="30000"/>
+            </a:schemeClr>
+          </a:solidFill>
+          <a:ln>
+            <a:noFill/>
+          </a:ln>
+        </p:spPr>
+        <p:style>
+          <a:lnRef idx="2">
+            <a:schemeClr val="accent1">
+              <a:shade val="50000"/>
+            </a:schemeClr>
+          </a:lnRef>
+          <a:fillRef idx="1">
+            <a:schemeClr val="accent1"/>
+          </a:fillRef>
+          <a:effectRef idx="0">
+            <a:schemeClr val="accent1"/>
+          </a:effectRef>
+          <a:fontRef idx="minor">
+            <a:schemeClr val="lt1"/>
+          </a:fontRef>
+        </p:style>
+        <p:txBody>
+          <a:bodyPr rtlCol="0" anchor="ctr"/>
+          <a:lstStyle/>
+          <a:p>
+            <a:pPr algn="ctr"/>
+            <a:endParaRPr lang="en-US"/>
+          </a:p>
+        </p:txBody>
+      </p:sp>
+      <p:sp>
+        <p:nvSpPr>
+          <p:cNvPr id="26" name="Rectangle 25">
+            <a:extLst>
+              <a:ext uri="{FF2B5EF4-FFF2-40B4-BE49-F238E27FC236}">
+                <a16:creationId xmlns:a16="http://schemas.microsoft.com/office/drawing/2014/main" id="{3783CA14-24A1-485C-8B30-D6A5D87987AD}"/>
+              </a:ext>
+              <a:ext uri="{C183D7F6-B498-43B3-948B-1728B52AA6E4}">
+                <adec:decorative xmlns:adec="http://schemas.microsoft.com/office/drawing/2017/decorative" val="1"/>
+              </a:ext>
+            </a:extLst>
+          </p:cNvPr>
+          <p:cNvSpPr>
+            <a:spLocks noGrp="1" noRot="1" noChangeAspect="1" noMove="1" noResize="1" noEditPoints="1" noAdjustHandles="1" noChangeArrowheads="1" noChangeShapeType="1" noTextEdit="1"/>
+          </p:cNvSpPr>
+          <p:nvPr>
+            <p:extLst>
+              <p:ext uri="{386F3935-93C4-4BCD-93E2-E3B085C9AB24}">
+                <p16:designElem xmlns:p16="http://schemas.microsoft.com/office/powerpoint/2015/main" val="1"/>
+              </p:ext>
+            </p:extLst>
+          </p:nvPr>
+        </p:nvSpPr>
+        <p:spPr>
+          <a:xfrm rot="18900000" flipH="1">
+            <a:off x="10043482" y="655140"/>
+            <a:ext cx="687472" cy="687472"/>
+          </a:xfrm>
+          <a:prstGeom prst="rect">
+            <a:avLst/>
+          </a:prstGeom>
+          <a:solidFill>
+            <a:schemeClr val="accent4">
+              <a:alpha val="30000"/>
+            </a:schemeClr>
+          </a:solidFill>
+          <a:ln>
+            <a:noFill/>
+          </a:ln>
+        </p:spPr>
+        <p:style>
+          <a:lnRef idx="2">
+            <a:schemeClr val="accent1">
+              <a:shade val="50000"/>
+            </a:schemeClr>
+          </a:lnRef>
+          <a:fillRef idx="1">
+            <a:schemeClr val="accent1"/>
+          </a:fillRef>
+          <a:effectRef idx="0">
+            <a:schemeClr val="accent1"/>
+          </a:effectRef>
+          <a:fontRef idx="minor">
+            <a:schemeClr val="lt1"/>
+          </a:fontRef>
+        </p:style>
+        <p:txBody>
+          <a:bodyPr rtlCol="0" anchor="ctr"/>
+          <a:lstStyle/>
+          <a:p>
+            <a:pPr algn="ctr"/>
+            <a:endParaRPr lang="en-US"/>
+          </a:p>
+        </p:txBody>
+      </p:sp>
+      <p:sp>
+        <p:nvSpPr>
+          <p:cNvPr id="28" name="Freeform: Shape 27">
+            <a:extLst>
+              <a:ext uri="{FF2B5EF4-FFF2-40B4-BE49-F238E27FC236}">
+                <a16:creationId xmlns:a16="http://schemas.microsoft.com/office/drawing/2014/main" id="{9A97C86A-04D6-40F7-AE84-31AB43E6A846}"/>
+              </a:ext>
+              <a:ext uri="{C183D7F6-B498-43B3-948B-1728B52AA6E4}">
+                <adec:decorative xmlns:adec="http://schemas.microsoft.com/office/drawing/2017/decorative" val="1"/>
+              </a:ext>
+            </a:extLst>
+          </p:cNvPr>
+          <p:cNvSpPr>
+            <a:spLocks noGrp="1" noRot="1" noChangeAspect="1" noMove="1" noResize="1" noEditPoints="1" noAdjustHandles="1" noChangeArrowheads="1" noChangeShapeType="1" noTextEdit="1"/>
+          </p:cNvSpPr>
+          <p:nvPr>
+            <p:extLst>
+              <p:ext uri="{386F3935-93C4-4BCD-93E2-E3B085C9AB24}">
+                <p16:designElem xmlns:p16="http://schemas.microsoft.com/office/powerpoint/2015/main" val="1"/>
+              </p:ext>
+            </p:extLst>
+          </p:nvPr>
+        </p:nvSpPr>
+        <p:spPr>
+          <a:xfrm rot="10800000" flipH="1">
+            <a:off x="9356643" y="0"/>
+            <a:ext cx="2835357" cy="1480837"/>
+          </a:xfrm>
+          <a:custGeom>
+            <a:avLst/>
+            <a:gdLst>
+              <a:gd name="connsiteX0" fmla="*/ 2835357 w 2835357"/>
+              <a:gd name="connsiteY0" fmla="*/ 1480837 h 1480837"/>
+              <a:gd name="connsiteX1" fmla="*/ 0 w 2835357"/>
+              <a:gd name="connsiteY1" fmla="*/ 1480837 h 1480837"/>
+              <a:gd name="connsiteX2" fmla="*/ 1552727 w 2835357"/>
+              <a:gd name="connsiteY2" fmla="*/ 0 h 1480837"/>
+              <a:gd name="connsiteX3" fmla="*/ 2835357 w 2835357"/>
+              <a:gd name="connsiteY3" fmla="*/ 1223245 h 1480837"/>
+            </a:gdLst>
+            <a:ahLst/>
+            <a:cxnLst>
+              <a:cxn ang="0">
+                <a:pos x="connsiteX0" y="connsiteY0"/>
+              </a:cxn>
+              <a:cxn ang="0">
+                <a:pos x="connsiteX1" y="connsiteY1"/>
+              </a:cxn>
+              <a:cxn ang="0">
+                <a:pos x="connsiteX2" y="connsiteY2"/>
+              </a:cxn>
+              <a:cxn ang="0">
+                <a:pos x="connsiteX3" y="connsiteY3"/>
+              </a:cxn>
+            </a:cxnLst>
+            <a:rect l="l" t="t" r="r" b="b"/>
+            <a:pathLst>
+              <a:path w="2835357" h="1480837">
+                <a:moveTo>
+                  <a:pt x="2835357" y="1480837"/>
+                </a:moveTo>
+                <a:lnTo>
+                  <a:pt x="0" y="1480837"/>
+                </a:lnTo>
+                <a:lnTo>
+                  <a:pt x="1552727" y="0"/>
+                </a:lnTo>
+                <a:lnTo>
+                  <a:pt x="2835357" y="1223245"/>
+                </a:lnTo>
+                <a:close/>
+              </a:path>
+            </a:pathLst>
+          </a:custGeom>
+          <a:solidFill>
+            <a:schemeClr val="accent4">
+              <a:alpha val="30000"/>
+            </a:schemeClr>
+          </a:solidFill>
+          <a:ln>
+            <a:noFill/>
+          </a:ln>
+        </p:spPr>
+        <p:style>
+          <a:lnRef idx="2">
+            <a:schemeClr val="accent1">
+              <a:shade val="50000"/>
+            </a:schemeClr>
+          </a:lnRef>
+          <a:fillRef idx="1">
+            <a:schemeClr val="accent1"/>
+          </a:fillRef>
+          <a:effectRef idx="0">
+            <a:schemeClr val="accent1"/>
+          </a:effectRef>
+          <a:fontRef idx="minor">
+            <a:schemeClr val="lt1"/>
+          </a:fontRef>
+        </p:style>
+        <p:txBody>
+          <a:bodyPr wrap="square" rtlCol="0" anchor="ctr">
+            <a:noAutofit/>
+          </a:bodyPr>
+          <a:lstStyle/>
+          <a:p>
+            <a:pPr algn="ctr"/>
+            <a:endParaRPr lang="en-US" dirty="0"/>
+          </a:p>
+        </p:txBody>
+      </p:sp>
+      <p:sp>
+        <p:nvSpPr>
+          <p:cNvPr id="30" name="Isosceles Triangle 29">
+            <a:extLst>
+              <a:ext uri="{FF2B5EF4-FFF2-40B4-BE49-F238E27FC236}">
+                <a16:creationId xmlns:a16="http://schemas.microsoft.com/office/drawing/2014/main" id="{FF9F2414-84E8-453E-B1F3-389FDE8192D9}"/>
+              </a:ext>
+              <a:ext uri="{C183D7F6-B498-43B3-948B-1728B52AA6E4}">
+                <adec:decorative xmlns:adec="http://schemas.microsoft.com/office/drawing/2017/decorative" val="1"/>
+              </a:ext>
+            </a:extLst>
+          </p:cNvPr>
+          <p:cNvSpPr>
+            <a:spLocks noGrp="1" noRot="1" noChangeAspect="1" noMove="1" noResize="1" noEditPoints="1" noAdjustHandles="1" noChangeArrowheads="1" noChangeShapeType="1" noTextEdit="1"/>
+          </p:cNvSpPr>
+          <p:nvPr>
+            <p:extLst>
+              <p:ext uri="{386F3935-93C4-4BCD-93E2-E3B085C9AB24}">
+                <p16:designElem xmlns:p16="http://schemas.microsoft.com/office/powerpoint/2015/main" val="1"/>
+              </p:ext>
+            </p:extLst>
+          </p:nvPr>
+        </p:nvSpPr>
+        <p:spPr>
+          <a:xfrm flipH="1">
+            <a:off x="7976344" y="6115501"/>
+            <a:ext cx="1494513" cy="742499"/>
+          </a:xfrm>
+          <a:prstGeom prst="triangle">
+            <a:avLst/>
+          </a:prstGeom>
+          <a:solidFill>
+            <a:schemeClr val="accent1">
+              <a:alpha val="30000"/>
+            </a:schemeClr>
+          </a:solidFill>
+          <a:ln>
+            <a:noFill/>
+          </a:ln>
+        </p:spPr>
+        <p:style>
+          <a:lnRef idx="2">
+            <a:schemeClr val="accent1">
+              <a:shade val="50000"/>
+            </a:schemeClr>
+          </a:lnRef>
+          <a:fillRef idx="1">
+            <a:schemeClr val="accent1"/>
+          </a:fillRef>
+          <a:effectRef idx="0">
+            <a:schemeClr val="accent1"/>
+          </a:effectRef>
+          <a:fontRef idx="minor">
+            <a:schemeClr val="lt1"/>
+          </a:fontRef>
+        </p:style>
+        <p:txBody>
+          <a:bodyPr rtlCol="0" anchor="ctr"/>
+          <a:lstStyle/>
+          <a:p>
+            <a:pPr algn="ctr"/>
+            <a:endParaRPr lang="en-US"/>
+          </a:p>
+        </p:txBody>
+      </p:sp>
+      <p:sp>
+        <p:nvSpPr>
+          <p:cNvPr id="32" name="Isosceles Triangle 31">
+            <a:extLst>
+              <a:ext uri="{FF2B5EF4-FFF2-40B4-BE49-F238E27FC236}">
+                <a16:creationId xmlns:a16="http://schemas.microsoft.com/office/drawing/2014/main" id="{3ECA69A1-7536-43AC-85EF-C7106179F5ED}"/>
+              </a:ext>
+              <a:ext uri="{C183D7F6-B498-43B3-948B-1728B52AA6E4}">
+                <adec:decorative xmlns:adec="http://schemas.microsoft.com/office/drawing/2017/decorative" val="1"/>
+              </a:ext>
+            </a:extLst>
+          </p:cNvPr>
+          <p:cNvSpPr>
+            <a:spLocks noGrp="1" noRot="1" noChangeAspect="1" noMove="1" noResize="1" noEditPoints="1" noAdjustHandles="1" noChangeArrowheads="1" noChangeShapeType="1" noTextEdit="1"/>
+          </p:cNvSpPr>
+          <p:nvPr>
+            <p:extLst>
+              <p:ext uri="{386F3935-93C4-4BCD-93E2-E3B085C9AB24}">
+                <p16:designElem xmlns:p16="http://schemas.microsoft.com/office/powerpoint/2015/main" val="1"/>
+              </p:ext>
+            </p:extLst>
+          </p:nvPr>
+        </p:nvSpPr>
+        <p:spPr>
+          <a:xfrm flipH="1">
+            <a:off x="7604080" y="6453143"/>
+            <a:ext cx="814903" cy="404857"/>
+          </a:xfrm>
+          <a:prstGeom prst="triangle">
+            <a:avLst/>
+          </a:prstGeom>
+          <a:solidFill>
+            <a:schemeClr val="accent1">
+              <a:alpha val="30000"/>
+            </a:schemeClr>
+          </a:solidFill>
+          <a:ln>
+            <a:noFill/>
+          </a:ln>
+        </p:spPr>
+        <p:style>
+          <a:lnRef idx="2">
+            <a:schemeClr val="accent1">
+              <a:shade val="50000"/>
+            </a:schemeClr>
+          </a:lnRef>
+          <a:fillRef idx="1">
+            <a:schemeClr val="accent1"/>
+          </a:fillRef>
+          <a:effectRef idx="0">
+            <a:schemeClr val="accent1"/>
+          </a:effectRef>
+          <a:fontRef idx="minor">
+            <a:schemeClr val="lt1"/>
+          </a:fontRef>
+        </p:style>
+        <p:txBody>
+          <a:bodyPr rtlCol="0" anchor="ctr"/>
+          <a:lstStyle/>
+          <a:p>
+            <a:pPr algn="ctr"/>
+            <a:endParaRPr lang="en-US"/>
+          </a:p>
+        </p:txBody>
+      </p:sp>
       <p:pic>
         <p:nvPicPr>
-          <p:cNvPr id="5" name="그림 4">
-            <a:extLst>
-              <a:ext uri="{FF2B5EF4-FFF2-40B4-BE49-F238E27FC236}">
-                <a16:creationId xmlns:a16="http://schemas.microsoft.com/office/drawing/2014/main" id="{9031C6B1-5A02-8618-65F4-168B5C141501}"/>
+          <p:cNvPr id="11" name="그림 10">
+            <a:extLst>
+              <a:ext uri="{FF2B5EF4-FFF2-40B4-BE49-F238E27FC236}">
+                <a16:creationId xmlns:a16="http://schemas.microsoft.com/office/drawing/2014/main" id="{406E465D-0EF1-1255-6D1D-82BE0E9BEF79}"/>
               </a:ext>
             </a:extLst>
           </p:cNvPr>
@@ -3434,8 +4102,8 @@
         </p:blipFill>
         <p:spPr>
           <a:xfrm>
-            <a:off x="2822477" y="2012951"/>
-            <a:ext cx="7026935" cy="3073340"/>
+            <a:off x="3753871" y="759949"/>
+            <a:ext cx="2296132" cy="2198751"/>
           </a:xfrm>
           <a:prstGeom prst="rect">
             <a:avLst/>
@@ -3444,10 +4112,10 @@
       </p:pic>
       <p:pic>
         <p:nvPicPr>
-          <p:cNvPr id="3" name="그림 2">
-            <a:extLst>
-              <a:ext uri="{FF2B5EF4-FFF2-40B4-BE49-F238E27FC236}">
-                <a16:creationId xmlns:a16="http://schemas.microsoft.com/office/drawing/2014/main" id="{B73C2A64-8DF2-2211-FC1B-D737A8F6893B}"/>
+          <p:cNvPr id="5" name="그림 4">
+            <a:extLst>
+              <a:ext uri="{FF2B5EF4-FFF2-40B4-BE49-F238E27FC236}">
+                <a16:creationId xmlns:a16="http://schemas.microsoft.com/office/drawing/2014/main" id="{05B3C164-BA62-95B0-957D-34057EB319F9}"/>
               </a:ext>
             </a:extLst>
           </p:cNvPr>
@@ -3464,8 +4132,8 @@
         </p:blipFill>
         <p:spPr>
           <a:xfrm>
-            <a:off x="4536088" y="10274"/>
-            <a:ext cx="3579153" cy="2024859"/>
+            <a:off x="2117106" y="2949578"/>
+            <a:ext cx="5565473" cy="3264954"/>
           </a:xfrm>
           <a:prstGeom prst="rect">
             <a:avLst/>
@@ -3477,7 +4145,7 @@
           <p:cNvPr id="13" name="그림 12">
             <a:extLst>
               <a:ext uri="{FF2B5EF4-FFF2-40B4-BE49-F238E27FC236}">
-                <a16:creationId xmlns:a16="http://schemas.microsoft.com/office/drawing/2014/main" id="{E30A341D-D462-7D1C-2993-33AD6F5679B5}"/>
+                <a16:creationId xmlns:a16="http://schemas.microsoft.com/office/drawing/2014/main" id="{8ACDAE64-47DB-6843-1C8C-4C7C39CDDEBE}"/>
               </a:ext>
             </a:extLst>
           </p:cNvPr>
@@ -3494,8 +4162,8 @@
         </p:blipFill>
         <p:spPr>
           <a:xfrm>
-            <a:off x="8869775" y="3824007"/>
-            <a:ext cx="413839" cy="1076766"/>
+            <a:off x="7300332" y="4293626"/>
+            <a:ext cx="129139" cy="634932"/>
           </a:xfrm>
           <a:prstGeom prst="rect">
             <a:avLst/>
@@ -3504,10 +4172,10 @@
       </p:pic>
       <p:pic>
         <p:nvPicPr>
-          <p:cNvPr id="9" name="그림 8">
-            <a:extLst>
-              <a:ext uri="{FF2B5EF4-FFF2-40B4-BE49-F238E27FC236}">
-                <a16:creationId xmlns:a16="http://schemas.microsoft.com/office/drawing/2014/main" id="{04A141F3-3106-35C0-4AD5-9FCA864C9EBD}"/>
+          <p:cNvPr id="15" name="그림 14">
+            <a:extLst>
+              <a:ext uri="{FF2B5EF4-FFF2-40B4-BE49-F238E27FC236}">
+                <a16:creationId xmlns:a16="http://schemas.microsoft.com/office/drawing/2014/main" id="{E3B7599F-EC0A-7022-AB5A-E8E0CA53257A}"/>
               </a:ext>
             </a:extLst>
           </p:cNvPr>
@@ -3524,8 +4192,8 @@
         </p:blipFill>
         <p:spPr>
           <a:xfrm>
-            <a:off x="1413933" y="4822867"/>
-            <a:ext cx="9347199" cy="1865609"/>
+            <a:off x="8042722" y="4304929"/>
+            <a:ext cx="2032171" cy="1901394"/>
           </a:xfrm>
           <a:prstGeom prst="rect">
             <a:avLst/>
@@ -3534,10 +4202,10 @@
       </p:pic>
       <p:pic>
         <p:nvPicPr>
-          <p:cNvPr id="11" name="그림 10">
-            <a:extLst>
-              <a:ext uri="{FF2B5EF4-FFF2-40B4-BE49-F238E27FC236}">
-                <a16:creationId xmlns:a16="http://schemas.microsoft.com/office/drawing/2014/main" id="{328DE73F-6F80-ACE6-3DE6-C27CA819A556}"/>
+          <p:cNvPr id="3" name="그림 2">
+            <a:extLst>
+              <a:ext uri="{FF2B5EF4-FFF2-40B4-BE49-F238E27FC236}">
+                <a16:creationId xmlns:a16="http://schemas.microsoft.com/office/drawing/2014/main" id="{05EDDA92-A32E-0E27-2C70-BE5EA1C202F7}"/>
               </a:ext>
             </a:extLst>
           </p:cNvPr>
@@ -3554,47 +4222,620 @@
         </p:blipFill>
         <p:spPr>
           <a:xfrm>
-            <a:off x="8778255" y="-10274"/>
-            <a:ext cx="3148708" cy="3844555"/>
+            <a:off x="7180951" y="643467"/>
+            <a:ext cx="2774561" cy="3662077"/>
           </a:xfrm>
           <a:prstGeom prst="rect">
             <a:avLst/>
           </a:prstGeom>
         </p:spPr>
       </p:pic>
-      <p:sp>
-        <p:nvSpPr>
-          <p:cNvPr id="14" name="순서도: 처리 13">
-            <a:extLst>
-              <a:ext uri="{FF2B5EF4-FFF2-40B4-BE49-F238E27FC236}">
-                <a16:creationId xmlns:a16="http://schemas.microsoft.com/office/drawing/2014/main" id="{EE50F2E6-14F7-F9F0-D371-F402A5ED67B7}"/>
-              </a:ext>
-            </a:extLst>
-          </p:cNvPr>
-          <p:cNvSpPr/>
-          <p:nvPr/>
+    </p:spTree>
+    <p:extLst>
+      <p:ext uri="{BB962C8B-B14F-4D97-AF65-F5344CB8AC3E}">
+        <p14:creationId xmlns:p14="http://schemas.microsoft.com/office/powerpoint/2010/main" val="2593410159"/>
+      </p:ext>
+    </p:extLst>
+  </p:cSld>
+  <p:clrMapOvr>
+    <a:masterClrMapping/>
+  </p:clrMapOvr>
+</p:sld>
+</file>
+
+<file path=ppt/slides/slide3.xml><?xml version="1.0" encoding="utf-8"?>
+<p:sld xmlns:a="http://schemas.openxmlformats.org/drawingml/2006/main" xmlns:r="http://schemas.openxmlformats.org/officeDocument/2006/relationships" xmlns:p="http://schemas.openxmlformats.org/presentationml/2006/main">
+  <p:cSld>
+    <p:bg>
+      <p:bgPr>
+        <a:solidFill>
+          <a:schemeClr val="bg1"/>
+        </a:solidFill>
+        <a:effectLst/>
+      </p:bgPr>
+    </p:bg>
+    <p:spTree>
+      <p:nvGrpSpPr>
+        <p:cNvPr id="1" name=""/>
+        <p:cNvGrpSpPr/>
+        <p:nvPr/>
+      </p:nvGrpSpPr>
+      <p:grpSpPr>
+        <a:xfrm>
+          <a:off x="0" y="0"/>
+          <a:ext cx="0" cy="0"/>
+          <a:chOff x="0" y="0"/>
+          <a:chExt cx="0" cy="0"/>
+        </a:xfrm>
+      </p:grpSpPr>
+      <p:sp>
+        <p:nvSpPr>
+          <p:cNvPr id="26" name="Rectangle 25">
+            <a:extLst>
+              <a:ext uri="{FF2B5EF4-FFF2-40B4-BE49-F238E27FC236}">
+                <a16:creationId xmlns:a16="http://schemas.microsoft.com/office/drawing/2014/main" id="{F3060C83-F051-4F0E-ABAD-AA0DFC48B218}"/>
+              </a:ext>
+              <a:ext uri="{C183D7F6-B498-43B3-948B-1728B52AA6E4}">
+                <adec:decorative xmlns:adec="http://schemas.microsoft.com/office/drawing/2017/decorative" val="1"/>
+              </a:ext>
+            </a:extLst>
+          </p:cNvPr>
+          <p:cNvSpPr>
+            <a:spLocks noGrp="1" noRot="1" noChangeAspect="1" noMove="1" noResize="1" noEditPoints="1" noAdjustHandles="1" noChangeArrowheads="1" noChangeShapeType="1" noTextEdit="1"/>
+          </p:cNvSpPr>
+          <p:nvPr>
+            <p:extLst>
+              <p:ext uri="{386F3935-93C4-4BCD-93E2-E3B085C9AB24}">
+                <p16:designElem xmlns:p16="http://schemas.microsoft.com/office/powerpoint/2015/main" val="1"/>
+              </p:ext>
+            </p:extLst>
+          </p:nvPr>
         </p:nvSpPr>
         <p:spPr>
           <a:xfrm>
-            <a:off x="301500" y="118532"/>
-            <a:ext cx="3459355" cy="4712802"/>
+            <a:off x="0" y="0"/>
+            <a:ext cx="12192000" cy="6858000"/>
           </a:xfrm>
-          <a:prstGeom prst="flowChartProcess">
+          <a:prstGeom prst="rect">
+            <a:avLst/>
+          </a:prstGeom>
+          <a:solidFill>
+            <a:schemeClr val="bg1"/>
+          </a:solidFill>
+          <a:ln>
+            <a:noFill/>
+          </a:ln>
+        </p:spPr>
+        <p:style>
+          <a:lnRef idx="2">
+            <a:schemeClr val="accent1">
+              <a:shade val="50000"/>
+            </a:schemeClr>
+          </a:lnRef>
+          <a:fillRef idx="1">
+            <a:schemeClr val="accent1"/>
+          </a:fillRef>
+          <a:effectRef idx="0">
+            <a:schemeClr val="accent1"/>
+          </a:effectRef>
+          <a:fontRef idx="minor">
+            <a:schemeClr val="lt1"/>
+          </a:fontRef>
+        </p:style>
+        <p:txBody>
+          <a:bodyPr rtlCol="0" anchor="ctr"/>
+          <a:lstStyle/>
+          <a:p>
+            <a:pPr algn="ctr"/>
+            <a:endParaRPr lang="en-US" dirty="0"/>
+          </a:p>
+        </p:txBody>
+      </p:sp>
+      <p:sp>
+        <p:nvSpPr>
+          <p:cNvPr id="28" name="Freeform: Shape 27">
+            <a:extLst>
+              <a:ext uri="{FF2B5EF4-FFF2-40B4-BE49-F238E27FC236}">
+                <a16:creationId xmlns:a16="http://schemas.microsoft.com/office/drawing/2014/main" id="{83C98ABE-055B-441F-B07E-44F97F083C39}"/>
+              </a:ext>
+              <a:ext uri="{C183D7F6-B498-43B3-948B-1728B52AA6E4}">
+                <adec:decorative xmlns:adec="http://schemas.microsoft.com/office/drawing/2017/decorative" val="1"/>
+              </a:ext>
+            </a:extLst>
+          </p:cNvPr>
+          <p:cNvSpPr>
+            <a:spLocks noGrp="1" noRot="1" noChangeAspect="1" noMove="1" noResize="1" noEditPoints="1" noAdjustHandles="1" noChangeArrowheads="1" noChangeShapeType="1" noTextEdit="1"/>
+          </p:cNvSpPr>
+          <p:nvPr>
+            <p:extLst>
+              <p:ext uri="{386F3935-93C4-4BCD-93E2-E3B085C9AB24}">
+                <p16:designElem xmlns:p16="http://schemas.microsoft.com/office/powerpoint/2015/main" val="1"/>
+              </p:ext>
+            </p:extLst>
+          </p:nvPr>
+        </p:nvSpPr>
+        <p:spPr>
+          <a:xfrm rot="18900000" flipH="1">
+            <a:off x="-376156" y="-253670"/>
+            <a:ext cx="1827638" cy="1376989"/>
+          </a:xfrm>
+          <a:custGeom>
+            <a:avLst/>
+            <a:gdLst>
+              <a:gd name="connsiteX0" fmla="*/ 0 w 1827638"/>
+              <a:gd name="connsiteY0" fmla="*/ 987379 h 1376989"/>
+              <a:gd name="connsiteX1" fmla="*/ 987379 w 1827638"/>
+              <a:gd name="connsiteY1" fmla="*/ 0 h 1376989"/>
+              <a:gd name="connsiteX2" fmla="*/ 1827638 w 1827638"/>
+              <a:gd name="connsiteY2" fmla="*/ 840260 h 1376989"/>
+              <a:gd name="connsiteX3" fmla="*/ 1827638 w 1827638"/>
+              <a:gd name="connsiteY3" fmla="*/ 1376989 h 1376989"/>
+              <a:gd name="connsiteX4" fmla="*/ 0 w 1827638"/>
+              <a:gd name="connsiteY4" fmla="*/ 1376989 h 1376989"/>
+            </a:gdLst>
+            <a:ahLst/>
+            <a:cxnLst>
+              <a:cxn ang="0">
+                <a:pos x="connsiteX0" y="connsiteY0"/>
+              </a:cxn>
+              <a:cxn ang="0">
+                <a:pos x="connsiteX1" y="connsiteY1"/>
+              </a:cxn>
+              <a:cxn ang="0">
+                <a:pos x="connsiteX2" y="connsiteY2"/>
+              </a:cxn>
+              <a:cxn ang="0">
+                <a:pos x="connsiteX3" y="connsiteY3"/>
+              </a:cxn>
+              <a:cxn ang="0">
+                <a:pos x="connsiteX4" y="connsiteY4"/>
+              </a:cxn>
+            </a:cxnLst>
+            <a:rect l="l" t="t" r="r" b="b"/>
+            <a:pathLst>
+              <a:path w="1827638" h="1376989">
+                <a:moveTo>
+                  <a:pt x="0" y="987379"/>
+                </a:moveTo>
+                <a:lnTo>
+                  <a:pt x="987379" y="0"/>
+                </a:lnTo>
+                <a:lnTo>
+                  <a:pt x="1827638" y="840260"/>
+                </a:lnTo>
+                <a:lnTo>
+                  <a:pt x="1827638" y="1376989"/>
+                </a:lnTo>
+                <a:lnTo>
+                  <a:pt x="0" y="1376989"/>
+                </a:lnTo>
+                <a:close/>
+              </a:path>
+            </a:pathLst>
+          </a:custGeom>
+          <a:solidFill>
+            <a:schemeClr val="accent1">
+              <a:alpha val="30000"/>
+            </a:schemeClr>
+          </a:solidFill>
+          <a:ln>
+            <a:noFill/>
+          </a:ln>
+        </p:spPr>
+        <p:style>
+          <a:lnRef idx="2">
+            <a:schemeClr val="accent1">
+              <a:shade val="50000"/>
+            </a:schemeClr>
+          </a:lnRef>
+          <a:fillRef idx="1">
+            <a:schemeClr val="accent1"/>
+          </a:fillRef>
+          <a:effectRef idx="0">
+            <a:schemeClr val="accent1"/>
+          </a:effectRef>
+          <a:fontRef idx="minor">
+            <a:schemeClr val="lt1"/>
+          </a:fontRef>
+        </p:style>
+        <p:txBody>
+          <a:bodyPr rtlCol="0" anchor="ctr"/>
+          <a:lstStyle/>
+          <a:p>
+            <a:pPr algn="ctr"/>
+            <a:endParaRPr lang="en-US" dirty="0"/>
+          </a:p>
+        </p:txBody>
+      </p:sp>
+      <p:sp>
+        <p:nvSpPr>
+          <p:cNvPr id="30" name="Rectangle 29">
+            <a:extLst>
+              <a:ext uri="{FF2B5EF4-FFF2-40B4-BE49-F238E27FC236}">
+                <a16:creationId xmlns:a16="http://schemas.microsoft.com/office/drawing/2014/main" id="{29FDB030-9B49-4CED-8CCD-4D99382388AC}"/>
+              </a:ext>
+              <a:ext uri="{C183D7F6-B498-43B3-948B-1728B52AA6E4}">
+                <adec:decorative xmlns:adec="http://schemas.microsoft.com/office/drawing/2017/decorative" val="1"/>
+              </a:ext>
+            </a:extLst>
+          </p:cNvPr>
+          <p:cNvSpPr>
+            <a:spLocks noGrp="1" noRot="1" noChangeAspect="1" noMove="1" noResize="1" noEditPoints="1" noAdjustHandles="1" noChangeArrowheads="1" noChangeShapeType="1" noTextEdit="1"/>
+          </p:cNvSpPr>
+          <p:nvPr>
+            <p:extLst>
+              <p:ext uri="{386F3935-93C4-4BCD-93E2-E3B085C9AB24}">
+                <p16:designElem xmlns:p16="http://schemas.microsoft.com/office/powerpoint/2015/main" val="1"/>
+              </p:ext>
+            </p:extLst>
+          </p:nvPr>
+        </p:nvSpPr>
+        <p:spPr>
+          <a:xfrm rot="18900000" flipH="1">
+            <a:off x="891641" y="422146"/>
+            <a:ext cx="645368" cy="645368"/>
+          </a:xfrm>
+          <a:prstGeom prst="rect">
+            <a:avLst/>
+          </a:prstGeom>
+          <a:solidFill>
+            <a:schemeClr val="accent1">
+              <a:alpha val="30000"/>
+            </a:schemeClr>
+          </a:solidFill>
+          <a:ln>
+            <a:noFill/>
+          </a:ln>
+        </p:spPr>
+        <p:style>
+          <a:lnRef idx="2">
+            <a:schemeClr val="accent1">
+              <a:shade val="50000"/>
+            </a:schemeClr>
+          </a:lnRef>
+          <a:fillRef idx="1">
+            <a:schemeClr val="accent1"/>
+          </a:fillRef>
+          <a:effectRef idx="0">
+            <a:schemeClr val="accent1"/>
+          </a:effectRef>
+          <a:fontRef idx="minor">
+            <a:schemeClr val="lt1"/>
+          </a:fontRef>
+        </p:style>
+        <p:txBody>
+          <a:bodyPr rtlCol="0" anchor="ctr"/>
+          <a:lstStyle/>
+          <a:p>
+            <a:pPr algn="ctr"/>
+            <a:endParaRPr lang="en-US"/>
+          </a:p>
+        </p:txBody>
+      </p:sp>
+      <p:sp>
+        <p:nvSpPr>
+          <p:cNvPr id="32" name="Rectangle 31">
+            <a:extLst>
+              <a:ext uri="{FF2B5EF4-FFF2-40B4-BE49-F238E27FC236}">
+                <a16:creationId xmlns:a16="http://schemas.microsoft.com/office/drawing/2014/main" id="{3783CA14-24A1-485C-8B30-D6A5D87987AD}"/>
+              </a:ext>
+              <a:ext uri="{C183D7F6-B498-43B3-948B-1728B52AA6E4}">
+                <adec:decorative xmlns:adec="http://schemas.microsoft.com/office/drawing/2017/decorative" val="1"/>
+              </a:ext>
+            </a:extLst>
+          </p:cNvPr>
+          <p:cNvSpPr>
+            <a:spLocks noGrp="1" noRot="1" noChangeAspect="1" noMove="1" noResize="1" noEditPoints="1" noAdjustHandles="1" noChangeArrowheads="1" noChangeShapeType="1" noTextEdit="1"/>
+          </p:cNvSpPr>
+          <p:nvPr>
+            <p:extLst>
+              <p:ext uri="{386F3935-93C4-4BCD-93E2-E3B085C9AB24}">
+                <p16:designElem xmlns:p16="http://schemas.microsoft.com/office/powerpoint/2015/main" val="1"/>
+              </p:ext>
+            </p:extLst>
+          </p:nvPr>
+        </p:nvSpPr>
+        <p:spPr>
+          <a:xfrm rot="18900000" flipH="1">
+            <a:off x="10043482" y="655140"/>
+            <a:ext cx="687472" cy="687472"/>
+          </a:xfrm>
+          <a:prstGeom prst="rect">
+            <a:avLst/>
+          </a:prstGeom>
+          <a:solidFill>
+            <a:schemeClr val="accent4">
+              <a:alpha val="30000"/>
+            </a:schemeClr>
+          </a:solidFill>
+          <a:ln>
+            <a:noFill/>
+          </a:ln>
+        </p:spPr>
+        <p:style>
+          <a:lnRef idx="2">
+            <a:schemeClr val="accent1">
+              <a:shade val="50000"/>
+            </a:schemeClr>
+          </a:lnRef>
+          <a:fillRef idx="1">
+            <a:schemeClr val="accent1"/>
+          </a:fillRef>
+          <a:effectRef idx="0">
+            <a:schemeClr val="accent1"/>
+          </a:effectRef>
+          <a:fontRef idx="minor">
+            <a:schemeClr val="lt1"/>
+          </a:fontRef>
+        </p:style>
+        <p:txBody>
+          <a:bodyPr rtlCol="0" anchor="ctr"/>
+          <a:lstStyle/>
+          <a:p>
+            <a:pPr algn="ctr"/>
+            <a:endParaRPr lang="en-US"/>
+          </a:p>
+        </p:txBody>
+      </p:sp>
+      <p:sp>
+        <p:nvSpPr>
+          <p:cNvPr id="34" name="Freeform: Shape 33">
+            <a:extLst>
+              <a:ext uri="{FF2B5EF4-FFF2-40B4-BE49-F238E27FC236}">
+                <a16:creationId xmlns:a16="http://schemas.microsoft.com/office/drawing/2014/main" id="{9A97C86A-04D6-40F7-AE84-31AB43E6A846}"/>
+              </a:ext>
+              <a:ext uri="{C183D7F6-B498-43B3-948B-1728B52AA6E4}">
+                <adec:decorative xmlns:adec="http://schemas.microsoft.com/office/drawing/2017/decorative" val="1"/>
+              </a:ext>
+            </a:extLst>
+          </p:cNvPr>
+          <p:cNvSpPr>
+            <a:spLocks noGrp="1" noRot="1" noChangeAspect="1" noMove="1" noResize="1" noEditPoints="1" noAdjustHandles="1" noChangeArrowheads="1" noChangeShapeType="1" noTextEdit="1"/>
+          </p:cNvSpPr>
+          <p:nvPr>
+            <p:extLst>
+              <p:ext uri="{386F3935-93C4-4BCD-93E2-E3B085C9AB24}">
+                <p16:designElem xmlns:p16="http://schemas.microsoft.com/office/powerpoint/2015/main" val="1"/>
+              </p:ext>
+            </p:extLst>
+          </p:nvPr>
+        </p:nvSpPr>
+        <p:spPr>
+          <a:xfrm rot="10800000" flipH="1">
+            <a:off x="9356643" y="0"/>
+            <a:ext cx="2835357" cy="1480837"/>
+          </a:xfrm>
+          <a:custGeom>
+            <a:avLst/>
+            <a:gdLst>
+              <a:gd name="connsiteX0" fmla="*/ 2835357 w 2835357"/>
+              <a:gd name="connsiteY0" fmla="*/ 1480837 h 1480837"/>
+              <a:gd name="connsiteX1" fmla="*/ 0 w 2835357"/>
+              <a:gd name="connsiteY1" fmla="*/ 1480837 h 1480837"/>
+              <a:gd name="connsiteX2" fmla="*/ 1552727 w 2835357"/>
+              <a:gd name="connsiteY2" fmla="*/ 0 h 1480837"/>
+              <a:gd name="connsiteX3" fmla="*/ 2835357 w 2835357"/>
+              <a:gd name="connsiteY3" fmla="*/ 1223245 h 1480837"/>
+            </a:gdLst>
+            <a:ahLst/>
+            <a:cxnLst>
+              <a:cxn ang="0">
+                <a:pos x="connsiteX0" y="connsiteY0"/>
+              </a:cxn>
+              <a:cxn ang="0">
+                <a:pos x="connsiteX1" y="connsiteY1"/>
+              </a:cxn>
+              <a:cxn ang="0">
+                <a:pos x="connsiteX2" y="connsiteY2"/>
+              </a:cxn>
+              <a:cxn ang="0">
+                <a:pos x="connsiteX3" y="connsiteY3"/>
+              </a:cxn>
+            </a:cxnLst>
+            <a:rect l="l" t="t" r="r" b="b"/>
+            <a:pathLst>
+              <a:path w="2835357" h="1480837">
+                <a:moveTo>
+                  <a:pt x="2835357" y="1480837"/>
+                </a:moveTo>
+                <a:lnTo>
+                  <a:pt x="0" y="1480837"/>
+                </a:lnTo>
+                <a:lnTo>
+                  <a:pt x="1552727" y="0"/>
+                </a:lnTo>
+                <a:lnTo>
+                  <a:pt x="2835357" y="1223245"/>
+                </a:lnTo>
+                <a:close/>
+              </a:path>
+            </a:pathLst>
+          </a:custGeom>
+          <a:solidFill>
+            <a:schemeClr val="accent4">
+              <a:alpha val="30000"/>
+            </a:schemeClr>
+          </a:solidFill>
+          <a:ln>
+            <a:noFill/>
+          </a:ln>
+        </p:spPr>
+        <p:style>
+          <a:lnRef idx="2">
+            <a:schemeClr val="accent1">
+              <a:shade val="50000"/>
+            </a:schemeClr>
+          </a:lnRef>
+          <a:fillRef idx="1">
+            <a:schemeClr val="accent1"/>
+          </a:fillRef>
+          <a:effectRef idx="0">
+            <a:schemeClr val="accent1"/>
+          </a:effectRef>
+          <a:fontRef idx="minor">
+            <a:schemeClr val="lt1"/>
+          </a:fontRef>
+        </p:style>
+        <p:txBody>
+          <a:bodyPr wrap="square" rtlCol="0" anchor="ctr">
+            <a:noAutofit/>
+          </a:bodyPr>
+          <a:lstStyle/>
+          <a:p>
+            <a:pPr algn="ctr"/>
+            <a:endParaRPr lang="en-US" dirty="0"/>
+          </a:p>
+        </p:txBody>
+      </p:sp>
+      <p:sp>
+        <p:nvSpPr>
+          <p:cNvPr id="36" name="Isosceles Triangle 35">
+            <a:extLst>
+              <a:ext uri="{FF2B5EF4-FFF2-40B4-BE49-F238E27FC236}">
+                <a16:creationId xmlns:a16="http://schemas.microsoft.com/office/drawing/2014/main" id="{FF9F2414-84E8-453E-B1F3-389FDE8192D9}"/>
+              </a:ext>
+              <a:ext uri="{C183D7F6-B498-43B3-948B-1728B52AA6E4}">
+                <adec:decorative xmlns:adec="http://schemas.microsoft.com/office/drawing/2017/decorative" val="1"/>
+              </a:ext>
+            </a:extLst>
+          </p:cNvPr>
+          <p:cNvSpPr>
+            <a:spLocks noGrp="1" noRot="1" noChangeAspect="1" noMove="1" noResize="1" noEditPoints="1" noAdjustHandles="1" noChangeArrowheads="1" noChangeShapeType="1" noTextEdit="1"/>
+          </p:cNvSpPr>
+          <p:nvPr>
+            <p:extLst>
+              <p:ext uri="{386F3935-93C4-4BCD-93E2-E3B085C9AB24}">
+                <p16:designElem xmlns:p16="http://schemas.microsoft.com/office/powerpoint/2015/main" val="1"/>
+              </p:ext>
+            </p:extLst>
+          </p:nvPr>
+        </p:nvSpPr>
+        <p:spPr>
+          <a:xfrm flipH="1">
+            <a:off x="7976344" y="6115501"/>
+            <a:ext cx="1494513" cy="742499"/>
+          </a:xfrm>
+          <a:prstGeom prst="triangle">
+            <a:avLst/>
+          </a:prstGeom>
+          <a:solidFill>
+            <a:schemeClr val="accent1">
+              <a:alpha val="30000"/>
+            </a:schemeClr>
+          </a:solidFill>
+          <a:ln>
+            <a:noFill/>
+          </a:ln>
+        </p:spPr>
+        <p:style>
+          <a:lnRef idx="2">
+            <a:schemeClr val="accent1">
+              <a:shade val="50000"/>
+            </a:schemeClr>
+          </a:lnRef>
+          <a:fillRef idx="1">
+            <a:schemeClr val="accent1"/>
+          </a:fillRef>
+          <a:effectRef idx="0">
+            <a:schemeClr val="accent1"/>
+          </a:effectRef>
+          <a:fontRef idx="minor">
+            <a:schemeClr val="lt1"/>
+          </a:fontRef>
+        </p:style>
+        <p:txBody>
+          <a:bodyPr rtlCol="0" anchor="ctr"/>
+          <a:lstStyle/>
+          <a:p>
+            <a:pPr algn="ctr"/>
+            <a:endParaRPr lang="en-US"/>
+          </a:p>
+        </p:txBody>
+      </p:sp>
+      <p:pic>
+        <p:nvPicPr>
+          <p:cNvPr id="9" name="그림 8">
+            <a:extLst>
+              <a:ext uri="{FF2B5EF4-FFF2-40B4-BE49-F238E27FC236}">
+                <a16:creationId xmlns:a16="http://schemas.microsoft.com/office/drawing/2014/main" id="{C58A61A9-E8A9-1591-C1AC-CCBF62BC0448}"/>
+              </a:ext>
+            </a:extLst>
+          </p:cNvPr>
+          <p:cNvPicPr>
+            <a:picLocks noChangeAspect="1"/>
+          </p:cNvPicPr>
+          <p:nvPr/>
+        </p:nvPicPr>
+        <p:blipFill>
+          <a:blip r:embed="rId2"/>
+          <a:stretch>
+            <a:fillRect/>
+          </a:stretch>
+        </p:blipFill>
+        <p:spPr>
+          <a:xfrm>
+            <a:off x="1236674" y="643467"/>
+            <a:ext cx="4710224" cy="771502"/>
+          </a:xfrm>
+          <a:prstGeom prst="rect">
             <a:avLst/>
           </a:prstGeom>
         </p:spPr>
+      </p:pic>
+      <p:sp>
+        <p:nvSpPr>
+          <p:cNvPr id="38" name="Isosceles Triangle 37">
+            <a:extLst>
+              <a:ext uri="{FF2B5EF4-FFF2-40B4-BE49-F238E27FC236}">
+                <a16:creationId xmlns:a16="http://schemas.microsoft.com/office/drawing/2014/main" id="{3ECA69A1-7536-43AC-85EF-C7106179F5ED}"/>
+              </a:ext>
+              <a:ext uri="{C183D7F6-B498-43B3-948B-1728B52AA6E4}">
+                <adec:decorative xmlns:adec="http://schemas.microsoft.com/office/drawing/2017/decorative" val="1"/>
+              </a:ext>
+            </a:extLst>
+          </p:cNvPr>
+          <p:cNvSpPr>
+            <a:spLocks noGrp="1" noRot="1" noChangeAspect="1" noMove="1" noResize="1" noEditPoints="1" noAdjustHandles="1" noChangeArrowheads="1" noChangeShapeType="1" noTextEdit="1"/>
+          </p:cNvSpPr>
+          <p:nvPr>
+            <p:extLst>
+              <p:ext uri="{386F3935-93C4-4BCD-93E2-E3B085C9AB24}">
+                <p16:designElem xmlns:p16="http://schemas.microsoft.com/office/powerpoint/2015/main" val="1"/>
+              </p:ext>
+            </p:extLst>
+          </p:nvPr>
+        </p:nvSpPr>
+        <p:spPr>
+          <a:xfrm flipH="1">
+            <a:off x="7604080" y="6453143"/>
+            <a:ext cx="814903" cy="404857"/>
+          </a:xfrm>
+          <a:prstGeom prst="triangle">
+            <a:avLst/>
+          </a:prstGeom>
+          <a:solidFill>
+            <a:schemeClr val="accent1">
+              <a:alpha val="30000"/>
+            </a:schemeClr>
+          </a:solidFill>
+          <a:ln>
+            <a:noFill/>
+          </a:ln>
+        </p:spPr>
         <p:style>
           <a:lnRef idx="2">
-            <a:schemeClr val="accent2"/>
+            <a:schemeClr val="accent1">
+              <a:shade val="50000"/>
+            </a:schemeClr>
           </a:lnRef>
           <a:fillRef idx="1">
-            <a:schemeClr val="lt1"/>
+            <a:schemeClr val="accent1"/>
           </a:fillRef>
           <a:effectRef idx="0">
-            <a:schemeClr val="accent2"/>
+            <a:schemeClr val="accent1"/>
           </a:effectRef>
           <a:fontRef idx="minor">
-            <a:schemeClr val="dk1"/>
+            <a:schemeClr val="lt1"/>
           </a:fontRef>
         </p:style>
         <p:txBody>
@@ -3602,448 +4843,104 @@
           <a:lstStyle/>
           <a:p>
             <a:pPr algn="ctr"/>
-            <a:r>
-              <a:rPr lang="ko-KR" altLang="en-US" sz="1600" dirty="0">
-                <a:ln w="0"/>
-                <a:solidFill>
-                  <a:schemeClr val="tx1"/>
-                </a:solidFill>
-              </a:rPr>
-              <a:t>중심 테이블 </a:t>
-            </a:r>
-            <a:r>
-              <a:rPr lang="en-US" altLang="ko-KR" sz="1600" dirty="0">
-                <a:ln w="0"/>
-                <a:solidFill>
-                  <a:schemeClr val="tx1"/>
-                </a:solidFill>
-              </a:rPr>
-              <a:t>: students</a:t>
-            </a:r>
-          </a:p>
-          <a:p>
-            <a:pPr algn="ctr"/>
-            <a:endParaRPr lang="en-US" altLang="ko-KR" sz="1600" dirty="0">
-              <a:ln w="0"/>
-              <a:solidFill>
-                <a:schemeClr val="tx1"/>
-              </a:solidFill>
-            </a:endParaRPr>
-          </a:p>
-          <a:p>
-            <a:pPr algn="ctr"/>
-            <a:r>
-              <a:rPr lang="en-US" altLang="ko-KR" sz="1600" dirty="0" err="1">
-                <a:ln w="0"/>
-                <a:solidFill>
-                  <a:schemeClr val="tx1"/>
-                </a:solidFill>
-              </a:rPr>
-              <a:t>student_health</a:t>
-            </a:r>
-            <a:r>
-              <a:rPr lang="en-US" altLang="ko-KR" sz="1600" dirty="0">
-                <a:ln w="0"/>
-                <a:solidFill>
-                  <a:schemeClr val="tx1"/>
-                </a:solidFill>
-              </a:rPr>
-              <a:t> : students 1:N </a:t>
-            </a:r>
-            <a:r>
-              <a:rPr lang="ko-KR" altLang="en-US" sz="1600" dirty="0">
-                <a:ln w="0"/>
-                <a:solidFill>
-                  <a:schemeClr val="tx1"/>
-                </a:solidFill>
-              </a:rPr>
-              <a:t>관계</a:t>
-            </a:r>
-            <a:endParaRPr lang="en-US" altLang="ko-KR" sz="1600" dirty="0">
-              <a:ln w="0"/>
-              <a:solidFill>
-                <a:schemeClr val="tx1"/>
-              </a:solidFill>
-            </a:endParaRPr>
-          </a:p>
-          <a:p>
-            <a:pPr algn="ctr"/>
-            <a:endParaRPr lang="en-US" altLang="ko-KR" sz="1600" dirty="0">
-              <a:ln w="0"/>
-              <a:solidFill>
-                <a:schemeClr val="tx1"/>
-              </a:solidFill>
-            </a:endParaRPr>
-          </a:p>
-          <a:p>
-            <a:pPr algn="ctr"/>
-            <a:r>
-              <a:rPr lang="en-US" altLang="ko-KR" sz="1600" dirty="0" err="1">
-                <a:ln w="0"/>
-                <a:solidFill>
-                  <a:schemeClr val="tx1"/>
-                </a:solidFill>
-              </a:rPr>
-              <a:t>student_records</a:t>
-            </a:r>
-            <a:r>
-              <a:rPr lang="en-US" altLang="ko-KR" sz="1600" dirty="0">
-                <a:ln w="0"/>
-                <a:solidFill>
-                  <a:schemeClr val="tx1"/>
-                </a:solidFill>
-              </a:rPr>
-              <a:t> :</a:t>
-            </a:r>
-            <a:r>
-              <a:rPr lang="ko-KR" altLang="en-US" sz="1600" dirty="0">
-                <a:ln w="0"/>
-                <a:solidFill>
-                  <a:schemeClr val="tx1"/>
-                </a:solidFill>
-              </a:rPr>
-              <a:t> </a:t>
-            </a:r>
-            <a:r>
-              <a:rPr lang="en-US" altLang="ko-KR" sz="1600" dirty="0">
-                <a:ln w="0"/>
-                <a:solidFill>
-                  <a:schemeClr val="tx1"/>
-                </a:solidFill>
-              </a:rPr>
-              <a:t>students 1:N </a:t>
-            </a:r>
-            <a:r>
-              <a:rPr lang="ko-KR" altLang="en-US" sz="1600" dirty="0">
-                <a:ln w="0"/>
-                <a:solidFill>
-                  <a:schemeClr val="tx1"/>
-                </a:solidFill>
-              </a:rPr>
-              <a:t>관계</a:t>
-            </a:r>
-            <a:endParaRPr lang="en-US" altLang="ko-KR" sz="1600" dirty="0">
-              <a:ln w="0"/>
-              <a:solidFill>
-                <a:schemeClr val="tx1"/>
-              </a:solidFill>
-            </a:endParaRPr>
-          </a:p>
-          <a:p>
-            <a:pPr algn="ctr"/>
-            <a:endParaRPr lang="en-US" altLang="ko-KR" sz="1600" dirty="0">
-              <a:ln w="0"/>
-              <a:solidFill>
-                <a:schemeClr val="tx1"/>
-              </a:solidFill>
-            </a:endParaRPr>
-          </a:p>
-          <a:p>
-            <a:pPr algn="ctr"/>
-            <a:r>
-              <a:rPr lang="en-US" altLang="ko-KR" sz="1600" dirty="0">
-                <a:ln w="0"/>
-                <a:solidFill>
-                  <a:schemeClr val="tx1"/>
-                </a:solidFill>
-              </a:rPr>
-              <a:t>subjects : </a:t>
-            </a:r>
-            <a:r>
-              <a:rPr lang="en-US" altLang="ko-KR" sz="1600" dirty="0" err="1">
-                <a:ln w="0"/>
-                <a:solidFill>
-                  <a:schemeClr val="tx1"/>
-                </a:solidFill>
-              </a:rPr>
-              <a:t>subject_record</a:t>
-            </a:r>
-            <a:r>
-              <a:rPr lang="en-US" altLang="ko-KR" sz="1600" dirty="0">
-                <a:ln w="0"/>
-                <a:solidFill>
-                  <a:schemeClr val="tx1"/>
-                </a:solidFill>
-              </a:rPr>
-              <a:t> N:1 </a:t>
-            </a:r>
-            <a:r>
-              <a:rPr lang="ko-KR" altLang="en-US" sz="1600" dirty="0">
-                <a:ln w="0"/>
-                <a:solidFill>
-                  <a:schemeClr val="tx1"/>
-                </a:solidFill>
-              </a:rPr>
-              <a:t>관계</a:t>
-            </a:r>
-            <a:endParaRPr lang="en-US" altLang="ko-KR" sz="1600" dirty="0">
-              <a:ln w="0"/>
-              <a:solidFill>
-                <a:schemeClr val="tx1"/>
-              </a:solidFill>
-            </a:endParaRPr>
-          </a:p>
-          <a:p>
-            <a:pPr algn="ctr"/>
-            <a:endParaRPr lang="en-US" altLang="ko-KR" sz="1600" dirty="0">
-              <a:ln w="0"/>
-              <a:solidFill>
-                <a:schemeClr val="tx1"/>
-              </a:solidFill>
-            </a:endParaRPr>
-          </a:p>
-          <a:p>
-            <a:pPr algn="ctr"/>
-            <a:r>
-              <a:rPr lang="en-US" altLang="ko-KR" sz="1600" dirty="0">
-                <a:ln w="0"/>
-                <a:solidFill>
-                  <a:schemeClr val="tx1"/>
-                </a:solidFill>
-              </a:rPr>
-              <a:t>subjects :</a:t>
-            </a:r>
-            <a:r>
-              <a:rPr lang="ko-KR" altLang="en-US" sz="1600" dirty="0">
-                <a:ln w="0"/>
-                <a:solidFill>
-                  <a:schemeClr val="tx1"/>
-                </a:solidFill>
-              </a:rPr>
-              <a:t> </a:t>
-            </a:r>
-            <a:r>
-              <a:rPr lang="en-US" altLang="ko-KR" sz="1600" dirty="0">
-                <a:ln w="0"/>
-                <a:solidFill>
-                  <a:schemeClr val="tx1"/>
-                </a:solidFill>
-              </a:rPr>
-              <a:t>teachers N:1 </a:t>
-            </a:r>
-            <a:r>
-              <a:rPr lang="ko-KR" altLang="en-US" sz="1600" dirty="0">
-                <a:ln w="0"/>
-                <a:solidFill>
-                  <a:schemeClr val="tx1"/>
-                </a:solidFill>
-              </a:rPr>
-              <a:t>관계</a:t>
-            </a:r>
-            <a:endParaRPr lang="en-US" altLang="ko-KR" sz="1600" dirty="0">
-              <a:ln w="0"/>
-              <a:solidFill>
-                <a:schemeClr val="tx1"/>
-              </a:solidFill>
-            </a:endParaRPr>
-          </a:p>
-          <a:p>
-            <a:pPr algn="ctr"/>
-            <a:endParaRPr lang="en-US" altLang="ko-KR" sz="1600" dirty="0">
-              <a:ln w="0"/>
-              <a:solidFill>
-                <a:schemeClr val="tx1"/>
-              </a:solidFill>
-            </a:endParaRPr>
-          </a:p>
-          <a:p>
-            <a:pPr algn="ctr"/>
-            <a:r>
-              <a:rPr lang="en-US" altLang="ko-KR" sz="1600" dirty="0" err="1">
-                <a:ln w="0"/>
-                <a:solidFill>
-                  <a:schemeClr val="tx1"/>
-                </a:solidFill>
-              </a:rPr>
-              <a:t>subject_record</a:t>
-            </a:r>
-            <a:r>
-              <a:rPr lang="en-US" altLang="ko-KR" sz="1600" dirty="0">
-                <a:ln w="0"/>
-                <a:solidFill>
-                  <a:schemeClr val="tx1"/>
-                </a:solidFill>
-              </a:rPr>
-              <a:t> : students N:1 </a:t>
-            </a:r>
-            <a:r>
-              <a:rPr lang="ko-KR" altLang="en-US" sz="1600" dirty="0">
-                <a:ln w="0"/>
-                <a:solidFill>
-                  <a:schemeClr val="tx1"/>
-                </a:solidFill>
-              </a:rPr>
-              <a:t>관계</a:t>
-            </a:r>
-            <a:endParaRPr lang="en-US" altLang="ko-KR" sz="1600" dirty="0">
-              <a:ln w="0"/>
-              <a:solidFill>
-                <a:schemeClr val="tx1"/>
-              </a:solidFill>
-            </a:endParaRPr>
-          </a:p>
-          <a:p>
-            <a:pPr algn="ctr"/>
-            <a:endParaRPr lang="en-US" altLang="ko-KR" sz="1600" dirty="0">
-              <a:ln w="0"/>
-              <a:solidFill>
-                <a:schemeClr val="tx1"/>
-              </a:solidFill>
-            </a:endParaRPr>
-          </a:p>
-          <a:p>
-            <a:pPr algn="ctr"/>
-            <a:r>
-              <a:rPr lang="en-US" altLang="ko-KR" sz="1600" dirty="0" err="1">
-                <a:ln w="0"/>
-                <a:solidFill>
-                  <a:schemeClr val="tx1"/>
-                </a:solidFill>
-              </a:rPr>
-              <a:t>Subject_record</a:t>
-            </a:r>
-            <a:r>
-              <a:rPr lang="en-US" altLang="ko-KR" sz="1600" dirty="0">
-                <a:ln w="0"/>
-                <a:solidFill>
-                  <a:schemeClr val="tx1"/>
-                </a:solidFill>
-              </a:rPr>
-              <a:t> : subjects N:1 </a:t>
-            </a:r>
-            <a:r>
-              <a:rPr lang="ko-KR" altLang="en-US" sz="1600" dirty="0">
-                <a:ln w="0"/>
-                <a:solidFill>
-                  <a:schemeClr val="tx1"/>
-                </a:solidFill>
-              </a:rPr>
-              <a:t>관계</a:t>
-            </a:r>
-            <a:endParaRPr lang="en-US" altLang="ko-KR" sz="1600" dirty="0">
-              <a:ln w="0"/>
-              <a:solidFill>
-                <a:schemeClr val="tx1"/>
-              </a:solidFill>
-            </a:endParaRPr>
-          </a:p>
-          <a:p>
-            <a:pPr algn="ctr"/>
-            <a:endParaRPr lang="en-US" altLang="ko-KR" sz="1600" dirty="0">
-              <a:ln w="0"/>
-              <a:solidFill>
-                <a:schemeClr val="tx1"/>
-              </a:solidFill>
-            </a:endParaRPr>
-          </a:p>
-          <a:p>
-            <a:pPr algn="ctr"/>
-            <a:r>
-              <a:rPr lang="en-US" altLang="ko-KR" sz="1600" dirty="0" err="1">
-                <a:ln w="0"/>
-                <a:solidFill>
-                  <a:schemeClr val="tx1"/>
-                </a:solidFill>
-              </a:rPr>
-              <a:t>student_parents</a:t>
-            </a:r>
-            <a:r>
-              <a:rPr lang="en-US" altLang="ko-KR" sz="1600" dirty="0">
-                <a:ln w="0"/>
-                <a:solidFill>
-                  <a:schemeClr val="tx1"/>
-                </a:solidFill>
-              </a:rPr>
-              <a:t> :</a:t>
-            </a:r>
-            <a:r>
-              <a:rPr lang="ko-KR" altLang="en-US" sz="1600" dirty="0">
-                <a:ln w="0"/>
-                <a:solidFill>
-                  <a:schemeClr val="tx1"/>
-                </a:solidFill>
-              </a:rPr>
-              <a:t> </a:t>
-            </a:r>
-            <a:r>
-              <a:rPr lang="en-US" altLang="ko-KR" sz="1600" dirty="0">
-                <a:ln w="0"/>
-                <a:solidFill>
-                  <a:schemeClr val="tx1"/>
-                </a:solidFill>
-              </a:rPr>
-              <a:t>students 1:N </a:t>
-            </a:r>
-            <a:r>
-              <a:rPr lang="ko-KR" altLang="en-US" sz="1600" dirty="0">
-                <a:ln w="0"/>
-                <a:solidFill>
-                  <a:schemeClr val="tx1"/>
-                </a:solidFill>
-              </a:rPr>
-              <a:t>관계</a:t>
-            </a:r>
-            <a:endParaRPr lang="en-US" altLang="ko-KR" sz="1600" dirty="0">
-              <a:ln w="0"/>
-              <a:solidFill>
-                <a:schemeClr val="tx1"/>
-              </a:solidFill>
-            </a:endParaRPr>
-          </a:p>
-          <a:p>
-            <a:pPr algn="ctr"/>
-            <a:endParaRPr lang="en-US" altLang="ko-KR" sz="1600" dirty="0">
-              <a:ln w="0"/>
-              <a:solidFill>
-                <a:schemeClr val="tx1"/>
-              </a:solidFill>
-            </a:endParaRPr>
-          </a:p>
-          <a:p>
-            <a:pPr algn="ctr"/>
-            <a:r>
-              <a:rPr lang="en-US" altLang="ko-KR" sz="1600" dirty="0">
-                <a:ln w="0"/>
-                <a:solidFill>
-                  <a:schemeClr val="tx1"/>
-                </a:solidFill>
-              </a:rPr>
-              <a:t>teachers :</a:t>
-            </a:r>
-            <a:r>
-              <a:rPr lang="ko-KR" altLang="en-US" sz="1600" dirty="0">
-                <a:ln w="0"/>
-                <a:solidFill>
-                  <a:schemeClr val="tx1"/>
-                </a:solidFill>
-              </a:rPr>
-              <a:t> </a:t>
-            </a:r>
-            <a:r>
-              <a:rPr lang="en-US" altLang="ko-KR" sz="1600" dirty="0">
-                <a:ln w="0"/>
-                <a:solidFill>
-                  <a:schemeClr val="tx1"/>
-                </a:solidFill>
-              </a:rPr>
-              <a:t>subjects N:1 </a:t>
-            </a:r>
-            <a:r>
-              <a:rPr lang="ko-KR" altLang="en-US" sz="1600" dirty="0">
-                <a:ln w="0"/>
-                <a:solidFill>
-                  <a:schemeClr val="tx1"/>
-                </a:solidFill>
-              </a:rPr>
-              <a:t>관계</a:t>
-            </a:r>
-          </a:p>
-        </p:txBody>
-      </p:sp>
+            <a:endParaRPr lang="en-US"/>
+          </a:p>
+        </p:txBody>
+      </p:sp>
+      <p:pic>
+        <p:nvPicPr>
+          <p:cNvPr id="19" name="그림 18">
+            <a:extLst>
+              <a:ext uri="{FF2B5EF4-FFF2-40B4-BE49-F238E27FC236}">
+                <a16:creationId xmlns:a16="http://schemas.microsoft.com/office/drawing/2014/main" id="{7AB7A7F5-2D7C-FD91-91B4-BE4649EC6C50}"/>
+              </a:ext>
+            </a:extLst>
+          </p:cNvPr>
+          <p:cNvPicPr>
+            <a:picLocks noChangeAspect="1"/>
+          </p:cNvPicPr>
+          <p:nvPr/>
+        </p:nvPicPr>
+        <p:blipFill>
+          <a:blip r:embed="rId3"/>
+          <a:stretch>
+            <a:fillRect/>
+          </a:stretch>
+        </p:blipFill>
+        <p:spPr>
+          <a:xfrm>
+            <a:off x="6135179" y="894026"/>
+            <a:ext cx="4905209" cy="3322378"/>
+          </a:xfrm>
+          <a:prstGeom prst="rect">
+            <a:avLst/>
+          </a:prstGeom>
+        </p:spPr>
+      </p:pic>
+      <p:pic>
+        <p:nvPicPr>
+          <p:cNvPr id="17" name="그림 16">
+            <a:extLst>
+              <a:ext uri="{FF2B5EF4-FFF2-40B4-BE49-F238E27FC236}">
+                <a16:creationId xmlns:a16="http://schemas.microsoft.com/office/drawing/2014/main" id="{EFAF4D91-8A73-9A58-C6F9-5794F27E4178}"/>
+              </a:ext>
+            </a:extLst>
+          </p:cNvPr>
+          <p:cNvPicPr>
+            <a:picLocks noChangeAspect="1"/>
+          </p:cNvPicPr>
+          <p:nvPr/>
+        </p:nvPicPr>
+        <p:blipFill>
+          <a:blip r:embed="rId4"/>
+          <a:stretch>
+            <a:fillRect/>
+          </a:stretch>
+        </p:blipFill>
+        <p:spPr>
+          <a:xfrm>
+            <a:off x="1237805" y="1638558"/>
+            <a:ext cx="4928716" cy="3933570"/>
+          </a:xfrm>
+          <a:prstGeom prst="rect">
+            <a:avLst/>
+          </a:prstGeom>
+        </p:spPr>
+      </p:pic>
+      <p:pic>
+        <p:nvPicPr>
+          <p:cNvPr id="21" name="그림 20">
+            <a:extLst>
+              <a:ext uri="{FF2B5EF4-FFF2-40B4-BE49-F238E27FC236}">
+                <a16:creationId xmlns:a16="http://schemas.microsoft.com/office/drawing/2014/main" id="{20F16F07-1F9E-A0B1-1DBE-70508E9979E1}"/>
+              </a:ext>
+            </a:extLst>
+          </p:cNvPr>
+          <p:cNvPicPr>
+            <a:picLocks noChangeAspect="1"/>
+          </p:cNvPicPr>
+          <p:nvPr/>
+        </p:nvPicPr>
+        <p:blipFill>
+          <a:blip r:embed="rId5"/>
+          <a:stretch>
+            <a:fillRect/>
+          </a:stretch>
+        </p:blipFill>
+        <p:spPr>
+          <a:xfrm>
+            <a:off x="6213537" y="4216404"/>
+            <a:ext cx="4826851" cy="1998128"/>
+          </a:xfrm>
+          <a:prstGeom prst="rect">
+            <a:avLst/>
+          </a:prstGeom>
+        </p:spPr>
+      </p:pic>
     </p:spTree>
     <p:extLst>
       <p:ext uri="{BB962C8B-B14F-4D97-AF65-F5344CB8AC3E}">
-        <p14:creationId xmlns:p14="http://schemas.microsoft.com/office/powerpoint/2010/main" val="964562334"/>
+        <p14:creationId xmlns:p14="http://schemas.microsoft.com/office/powerpoint/2010/main" val="366306617"/>
       </p:ext>
     </p:extLst>
   </p:cSld>

--- a/m1_데이터베이스/md_3 실습 ERD.pptx
+++ b/m1_데이터베이스/md_3 실습 ERD.pptx
@@ -7,7 +7,6 @@
   <p:sldIdLst>
     <p:sldId id="259" r:id="rId2"/>
     <p:sldId id="260" r:id="rId3"/>
-    <p:sldId id="261" r:id="rId4"/>
   </p:sldIdLst>
   <p:sldSz cx="12192000" cy="6858000"/>
   <p:notesSz cx="6858000" cy="9144000"/>
@@ -107,6 +106,19 @@
     </a:lvl9pPr>
   </p:defaultTextStyle>
   <p:extLst>
+    <p:ext uri="{521415D9-36F7-43E2-AB2F-B90AF26B5E84}">
+      <p14:sectionLst xmlns:p14="http://schemas.microsoft.com/office/powerpoint/2010/main">
+        <p14:section name="기본 구역" id="{95E31DB7-C9AB-440C-8432-2883BFFE96C2}">
+          <p14:sldIdLst>
+            <p14:sldId id="259"/>
+            <p14:sldId id="260"/>
+          </p14:sldIdLst>
+        </p14:section>
+        <p14:section name="제목 없는 구역" id="{5F0DA74E-15FF-4B96-A9A1-9D4312E680E7}">
+          <p14:sldIdLst/>
+        </p14:section>
+      </p14:sectionLst>
+    </p:ext>
     <p:ext uri="{EFAFB233-063F-42B5-8137-9DF3F51BA10A}">
       <p15:sldGuideLst xmlns:p15="http://schemas.microsoft.com/office/powerpoint/2012/main"/>
     </p:ext>
@@ -352,7 +364,7 @@
           <a:p>
             <a:fld id="{8B3AA74A-8AC8-4492-B6EE-B2C5DFF38431}" type="datetimeFigureOut">
               <a:rPr lang="ko-KR" altLang="en-US" smtClean="0"/>
-              <a:t>2024-05-21</a:t>
+              <a:t>2024-05-22</a:t>
             </a:fld>
             <a:endParaRPr lang="ko-KR" altLang="en-US"/>
           </a:p>
@@ -550,7 +562,7 @@
           <a:p>
             <a:fld id="{8B3AA74A-8AC8-4492-B6EE-B2C5DFF38431}" type="datetimeFigureOut">
               <a:rPr lang="ko-KR" altLang="en-US" smtClean="0"/>
-              <a:t>2024-05-21</a:t>
+              <a:t>2024-05-22</a:t>
             </a:fld>
             <a:endParaRPr lang="ko-KR" altLang="en-US"/>
           </a:p>
@@ -758,7 +770,7 @@
           <a:p>
             <a:fld id="{8B3AA74A-8AC8-4492-B6EE-B2C5DFF38431}" type="datetimeFigureOut">
               <a:rPr lang="ko-KR" altLang="en-US" smtClean="0"/>
-              <a:t>2024-05-21</a:t>
+              <a:t>2024-05-22</a:t>
             </a:fld>
             <a:endParaRPr lang="ko-KR" altLang="en-US"/>
           </a:p>
@@ -956,7 +968,7 @@
           <a:p>
             <a:fld id="{8B3AA74A-8AC8-4492-B6EE-B2C5DFF38431}" type="datetimeFigureOut">
               <a:rPr lang="ko-KR" altLang="en-US" smtClean="0"/>
-              <a:t>2024-05-21</a:t>
+              <a:t>2024-05-22</a:t>
             </a:fld>
             <a:endParaRPr lang="ko-KR" altLang="en-US"/>
           </a:p>
@@ -1231,7 +1243,7 @@
           <a:p>
             <a:fld id="{8B3AA74A-8AC8-4492-B6EE-B2C5DFF38431}" type="datetimeFigureOut">
               <a:rPr lang="ko-KR" altLang="en-US" smtClean="0"/>
-              <a:t>2024-05-21</a:t>
+              <a:t>2024-05-22</a:t>
             </a:fld>
             <a:endParaRPr lang="ko-KR" altLang="en-US"/>
           </a:p>
@@ -1496,7 +1508,7 @@
           <a:p>
             <a:fld id="{8B3AA74A-8AC8-4492-B6EE-B2C5DFF38431}" type="datetimeFigureOut">
               <a:rPr lang="ko-KR" altLang="en-US" smtClean="0"/>
-              <a:t>2024-05-21</a:t>
+              <a:t>2024-05-22</a:t>
             </a:fld>
             <a:endParaRPr lang="ko-KR" altLang="en-US"/>
           </a:p>
@@ -1908,7 +1920,7 @@
           <a:p>
             <a:fld id="{8B3AA74A-8AC8-4492-B6EE-B2C5DFF38431}" type="datetimeFigureOut">
               <a:rPr lang="ko-KR" altLang="en-US" smtClean="0"/>
-              <a:t>2024-05-21</a:t>
+              <a:t>2024-05-22</a:t>
             </a:fld>
             <a:endParaRPr lang="ko-KR" altLang="en-US"/>
           </a:p>
@@ -2049,7 +2061,7 @@
           <a:p>
             <a:fld id="{8B3AA74A-8AC8-4492-B6EE-B2C5DFF38431}" type="datetimeFigureOut">
               <a:rPr lang="ko-KR" altLang="en-US" smtClean="0"/>
-              <a:t>2024-05-21</a:t>
+              <a:t>2024-05-22</a:t>
             </a:fld>
             <a:endParaRPr lang="ko-KR" altLang="en-US"/>
           </a:p>
@@ -2162,7 +2174,7 @@
           <a:p>
             <a:fld id="{8B3AA74A-8AC8-4492-B6EE-B2C5DFF38431}" type="datetimeFigureOut">
               <a:rPr lang="ko-KR" altLang="en-US" smtClean="0"/>
-              <a:t>2024-05-21</a:t>
+              <a:t>2024-05-22</a:t>
             </a:fld>
             <a:endParaRPr lang="ko-KR" altLang="en-US"/>
           </a:p>
@@ -2473,7 +2485,7 @@
           <a:p>
             <a:fld id="{8B3AA74A-8AC8-4492-B6EE-B2C5DFF38431}" type="datetimeFigureOut">
               <a:rPr lang="ko-KR" altLang="en-US" smtClean="0"/>
-              <a:t>2024-05-21</a:t>
+              <a:t>2024-05-22</a:t>
             </a:fld>
             <a:endParaRPr lang="ko-KR" altLang="en-US"/>
           </a:p>
@@ -2761,7 +2773,7 @@
           <a:p>
             <a:fld id="{8B3AA74A-8AC8-4492-B6EE-B2C5DFF38431}" type="datetimeFigureOut">
               <a:rPr lang="ko-KR" altLang="en-US" smtClean="0"/>
-              <a:t>2024-05-21</a:t>
+              <a:t>2024-05-22</a:t>
             </a:fld>
             <a:endParaRPr lang="ko-KR" altLang="en-US"/>
           </a:p>
@@ -3002,7 +3014,7 @@
           <a:p>
             <a:fld id="{8B3AA74A-8AC8-4492-B6EE-B2C5DFF38431}" type="datetimeFigureOut">
               <a:rPr lang="ko-KR" altLang="en-US" smtClean="0"/>
-              <a:t>2024-05-21</a:t>
+              <a:t>2024-05-22</a:t>
             </a:fld>
             <a:endParaRPr lang="ko-KR" altLang="en-US"/>
           </a:p>
@@ -4080,867 +4092,429 @@
           </a:p>
         </p:txBody>
       </p:sp>
-      <p:pic>
-        <p:nvPicPr>
-          <p:cNvPr id="11" name="그림 10">
-            <a:extLst>
-              <a:ext uri="{FF2B5EF4-FFF2-40B4-BE49-F238E27FC236}">
-                <a16:creationId xmlns:a16="http://schemas.microsoft.com/office/drawing/2014/main" id="{406E465D-0EF1-1255-6D1D-82BE0E9BEF79}"/>
-              </a:ext>
-            </a:extLst>
-          </p:cNvPr>
-          <p:cNvPicPr>
-            <a:picLocks noChangeAspect="1"/>
-          </p:cNvPicPr>
+      <p:sp>
+        <p:nvSpPr>
+          <p:cNvPr id="2" name="TextBox 1">
+            <a:extLst>
+              <a:ext uri="{FF2B5EF4-FFF2-40B4-BE49-F238E27FC236}">
+                <a16:creationId xmlns:a16="http://schemas.microsoft.com/office/drawing/2014/main" id="{C07C7FAF-363B-47F9-AD11-64809C2A6348}"/>
+              </a:ext>
+            </a:extLst>
+          </p:cNvPr>
+          <p:cNvSpPr txBox="1"/>
           <p:nvPr/>
-        </p:nvPicPr>
-        <p:blipFill>
-          <a:blip r:embed="rId2"/>
-          <a:stretch>
-            <a:fillRect/>
-          </a:stretch>
-        </p:blipFill>
+        </p:nvSpPr>
         <p:spPr>
           <a:xfrm>
-            <a:off x="3753871" y="759949"/>
-            <a:ext cx="2296132" cy="2198751"/>
+            <a:off x="348042" y="998876"/>
+            <a:ext cx="3440365" cy="2862322"/>
           </a:xfrm>
           <a:prstGeom prst="rect">
             <a:avLst/>
           </a:prstGeom>
+          <a:noFill/>
         </p:spPr>
-      </p:pic>
-      <p:pic>
-        <p:nvPicPr>
-          <p:cNvPr id="5" name="그림 4">
-            <a:extLst>
-              <a:ext uri="{FF2B5EF4-FFF2-40B4-BE49-F238E27FC236}">
-                <a16:creationId xmlns:a16="http://schemas.microsoft.com/office/drawing/2014/main" id="{05B3C164-BA62-95B0-957D-34057EB319F9}"/>
-              </a:ext>
-            </a:extLst>
-          </p:cNvPr>
-          <p:cNvPicPr>
-            <a:picLocks noChangeAspect="1"/>
-          </p:cNvPicPr>
+        <p:txBody>
+          <a:bodyPr wrap="none" rtlCol="0">
+            <a:spAutoFit/>
+          </a:bodyPr>
+          <a:lstStyle/>
+          <a:p>
+            <a:pPr marL="342900" indent="-342900">
+              <a:buAutoNum type="arabicPeriod"/>
+            </a:pPr>
+            <a:r>
+              <a:rPr lang="en-US" altLang="ko-KR" sz="2000" dirty="0">
+                <a:latin typeface="Bahnschrift" panose="020B0502040204020203" pitchFamily="34" charset="0"/>
+              </a:rPr>
+              <a:t>students </a:t>
+            </a:r>
+            <a:r>
+              <a:rPr lang="ko-KR" altLang="en-US" sz="2000" dirty="0">
+                <a:latin typeface="Bahnschrift" panose="020B0502040204020203" pitchFamily="34" charset="0"/>
+              </a:rPr>
+              <a:t>테이블</a:t>
+            </a:r>
+            <a:endParaRPr lang="en-US" altLang="ko-KR" sz="2000" dirty="0">
+              <a:latin typeface="Bahnschrift" panose="020B0502040204020203" pitchFamily="34" charset="0"/>
+            </a:endParaRPr>
+          </a:p>
+          <a:p>
+            <a:pPr marL="285750" indent="-285750">
+              <a:buFont typeface="Arial" panose="020B0604020202020204" pitchFamily="34" charset="0"/>
+              <a:buChar char="•"/>
+            </a:pPr>
+            <a:r>
+              <a:rPr lang="en-US" altLang="ko-KR" sz="2000" dirty="0" err="1">
+                <a:latin typeface="Bahnschrift" panose="020B0502040204020203" pitchFamily="34" charset="0"/>
+              </a:rPr>
+              <a:t>student_health</a:t>
+            </a:r>
+            <a:r>
+              <a:rPr lang="en-US" altLang="ko-KR" sz="2000" dirty="0">
+                <a:latin typeface="Bahnschrift" panose="020B0502040204020203" pitchFamily="34" charset="0"/>
+              </a:rPr>
+              <a:t> : 1:1 </a:t>
+            </a:r>
+            <a:r>
+              <a:rPr lang="ko-KR" altLang="en-US" sz="2000" dirty="0">
+                <a:latin typeface="Bahnschrift" panose="020B0502040204020203" pitchFamily="34" charset="0"/>
+              </a:rPr>
+              <a:t>관계</a:t>
+            </a:r>
+            <a:endParaRPr lang="en-US" altLang="ko-KR" sz="2000" dirty="0">
+              <a:latin typeface="Bahnschrift" panose="020B0502040204020203" pitchFamily="34" charset="0"/>
+            </a:endParaRPr>
+          </a:p>
+          <a:p>
+            <a:pPr marL="285750" indent="-285750">
+              <a:buFont typeface="Arial" panose="020B0604020202020204" pitchFamily="34" charset="0"/>
+              <a:buChar char="•"/>
+            </a:pPr>
+            <a:r>
+              <a:rPr lang="en-US" altLang="ko-KR" sz="2000" dirty="0" err="1">
+                <a:latin typeface="Bahnschrift" panose="020B0502040204020203" pitchFamily="34" charset="0"/>
+              </a:rPr>
+              <a:t>student_records</a:t>
+            </a:r>
+            <a:r>
+              <a:rPr lang="en-US" altLang="ko-KR" sz="2000" dirty="0">
+                <a:latin typeface="Bahnschrift" panose="020B0502040204020203" pitchFamily="34" charset="0"/>
+              </a:rPr>
+              <a:t> : 1:N</a:t>
+            </a:r>
+            <a:r>
+              <a:rPr lang="ko-KR" altLang="en-US" sz="2000" dirty="0">
+                <a:latin typeface="Bahnschrift" panose="020B0502040204020203" pitchFamily="34" charset="0"/>
+              </a:rPr>
+              <a:t> 관계</a:t>
+            </a:r>
+            <a:endParaRPr lang="en-US" altLang="ko-KR" sz="2000" dirty="0">
+              <a:latin typeface="Bahnschrift" panose="020B0502040204020203" pitchFamily="34" charset="0"/>
+            </a:endParaRPr>
+          </a:p>
+          <a:p>
+            <a:pPr marL="285750" indent="-285750">
+              <a:buFont typeface="Arial" panose="020B0604020202020204" pitchFamily="34" charset="0"/>
+              <a:buChar char="•"/>
+            </a:pPr>
+            <a:r>
+              <a:rPr lang="en-US" altLang="ko-KR" sz="2000" dirty="0" err="1">
+                <a:latin typeface="Bahnschrift" panose="020B0502040204020203" pitchFamily="34" charset="0"/>
+              </a:rPr>
+              <a:t>subject_records</a:t>
+            </a:r>
+            <a:r>
+              <a:rPr lang="en-US" altLang="ko-KR" sz="2000" dirty="0">
+                <a:latin typeface="Bahnschrift" panose="020B0502040204020203" pitchFamily="34" charset="0"/>
+              </a:rPr>
+              <a:t> : 1:N </a:t>
+            </a:r>
+            <a:r>
+              <a:rPr lang="ko-KR" altLang="en-US" sz="2000" dirty="0">
+                <a:latin typeface="Bahnschrift" panose="020B0502040204020203" pitchFamily="34" charset="0"/>
+              </a:rPr>
+              <a:t>관계</a:t>
+            </a:r>
+            <a:endParaRPr lang="en-US" altLang="ko-KR" sz="2000" dirty="0">
+              <a:latin typeface="Bahnschrift" panose="020B0502040204020203" pitchFamily="34" charset="0"/>
+            </a:endParaRPr>
+          </a:p>
+          <a:p>
+            <a:endParaRPr lang="en-US" altLang="ko-KR" sz="2000" dirty="0">
+              <a:latin typeface="Bahnschrift" panose="020B0502040204020203" pitchFamily="34" charset="0"/>
+            </a:endParaRPr>
+          </a:p>
+          <a:p>
+            <a:r>
+              <a:rPr lang="en-US" altLang="ko-KR" sz="2000" dirty="0">
+                <a:latin typeface="Bahnschrift" panose="020B0502040204020203" pitchFamily="34" charset="0"/>
+              </a:rPr>
+              <a:t>2. subjects </a:t>
+            </a:r>
+            <a:r>
+              <a:rPr lang="ko-KR" altLang="en-US" sz="2000" dirty="0">
+                <a:latin typeface="Bahnschrift" panose="020B0502040204020203" pitchFamily="34" charset="0"/>
+              </a:rPr>
+              <a:t>테이블</a:t>
+            </a:r>
+            <a:endParaRPr lang="en-US" altLang="ko-KR" sz="2000" dirty="0">
+              <a:latin typeface="Bahnschrift" panose="020B0502040204020203" pitchFamily="34" charset="0"/>
+            </a:endParaRPr>
+          </a:p>
+          <a:p>
+            <a:pPr marL="285750" indent="-285750">
+              <a:buFont typeface="Arial" panose="020B0604020202020204" pitchFamily="34" charset="0"/>
+              <a:buChar char="•"/>
+            </a:pPr>
+            <a:r>
+              <a:rPr lang="en-US" altLang="ko-KR" sz="2000" dirty="0" err="1">
+                <a:latin typeface="Bahnschrift" panose="020B0502040204020203" pitchFamily="34" charset="0"/>
+              </a:rPr>
+              <a:t>subject_records</a:t>
+            </a:r>
+            <a:r>
+              <a:rPr lang="ko-KR" altLang="en-US" sz="2000" dirty="0">
+                <a:latin typeface="Bahnschrift" panose="020B0502040204020203" pitchFamily="34" charset="0"/>
+              </a:rPr>
+              <a:t> </a:t>
+            </a:r>
+            <a:r>
+              <a:rPr lang="en-US" altLang="ko-KR" sz="2000" dirty="0">
+                <a:latin typeface="Bahnschrift" panose="020B0502040204020203" pitchFamily="34" charset="0"/>
+              </a:rPr>
+              <a:t>:</a:t>
+            </a:r>
+            <a:r>
+              <a:rPr lang="ko-KR" altLang="en-US" sz="2000" dirty="0">
+                <a:latin typeface="Bahnschrift" panose="020B0502040204020203" pitchFamily="34" charset="0"/>
+              </a:rPr>
+              <a:t> </a:t>
+            </a:r>
+            <a:r>
+              <a:rPr lang="en-US" altLang="ko-KR" sz="2000" dirty="0">
+                <a:latin typeface="Bahnschrift" panose="020B0502040204020203" pitchFamily="34" charset="0"/>
+              </a:rPr>
+              <a:t>1:N </a:t>
+            </a:r>
+            <a:r>
+              <a:rPr lang="ko-KR" altLang="en-US" sz="2000" dirty="0">
+                <a:latin typeface="Bahnschrift" panose="020B0502040204020203" pitchFamily="34" charset="0"/>
+              </a:rPr>
+              <a:t>관계</a:t>
+            </a:r>
+            <a:endParaRPr lang="en-US" altLang="ko-KR" sz="2000" dirty="0">
+              <a:latin typeface="Bahnschrift" panose="020B0502040204020203" pitchFamily="34" charset="0"/>
+            </a:endParaRPr>
+          </a:p>
+          <a:p>
+            <a:pPr marL="285750" indent="-285750">
+              <a:buFont typeface="Arial" panose="020B0604020202020204" pitchFamily="34" charset="0"/>
+              <a:buChar char="•"/>
+            </a:pPr>
+            <a:r>
+              <a:rPr lang="en-US" altLang="ko-KR" sz="2000" dirty="0">
+                <a:latin typeface="Bahnschrift" panose="020B0502040204020203" pitchFamily="34" charset="0"/>
+              </a:rPr>
+              <a:t>teachers : 1:1 </a:t>
+            </a:r>
+            <a:r>
+              <a:rPr lang="ko-KR" altLang="en-US" sz="2000" dirty="0">
+                <a:latin typeface="Bahnschrift" panose="020B0502040204020203" pitchFamily="34" charset="0"/>
+              </a:rPr>
+              <a:t>관계</a:t>
+            </a:r>
+            <a:endParaRPr lang="en-US" altLang="ko-KR" sz="2000" dirty="0">
+              <a:latin typeface="Bahnschrift" panose="020B0502040204020203" pitchFamily="34" charset="0"/>
+            </a:endParaRPr>
+          </a:p>
+          <a:p>
+            <a:pPr marL="285750" indent="-285750">
+              <a:buFont typeface="Arial" panose="020B0604020202020204" pitchFamily="34" charset="0"/>
+              <a:buChar char="•"/>
+            </a:pPr>
+            <a:r>
+              <a:rPr lang="en-US" altLang="ko-KR" sz="2000" dirty="0" err="1">
+                <a:latin typeface="Bahnschrift" panose="020B0502040204020203" pitchFamily="34" charset="0"/>
+              </a:rPr>
+              <a:t>grade_cutoffs</a:t>
+            </a:r>
+            <a:r>
+              <a:rPr lang="en-US" altLang="ko-KR" sz="2000" dirty="0">
+                <a:latin typeface="Bahnschrift" panose="020B0502040204020203" pitchFamily="34" charset="0"/>
+              </a:rPr>
+              <a:t> : N:N </a:t>
+            </a:r>
+            <a:r>
+              <a:rPr lang="ko-KR" altLang="en-US" sz="2000" dirty="0">
+                <a:latin typeface="Bahnschrift" panose="020B0502040204020203" pitchFamily="34" charset="0"/>
+              </a:rPr>
+              <a:t>관계</a:t>
+            </a:r>
+          </a:p>
+        </p:txBody>
+      </p:sp>
+      <p:grpSp>
+        <p:nvGrpSpPr>
+          <p:cNvPr id="10" name="그룹 9">
+            <a:extLst>
+              <a:ext uri="{FF2B5EF4-FFF2-40B4-BE49-F238E27FC236}">
+                <a16:creationId xmlns:a16="http://schemas.microsoft.com/office/drawing/2014/main" id="{CF7771B1-ADB4-435D-A6B5-352EC134DD20}"/>
+              </a:ext>
+            </a:extLst>
+          </p:cNvPr>
+          <p:cNvGrpSpPr/>
           <p:nvPr/>
-        </p:nvPicPr>
-        <p:blipFill>
-          <a:blip r:embed="rId3"/>
-          <a:stretch>
-            <a:fillRect/>
-          </a:stretch>
-        </p:blipFill>
-        <p:spPr>
+        </p:nvGrpSpPr>
+        <p:grpSpPr>
           <a:xfrm>
-            <a:off x="2117106" y="2949578"/>
-            <a:ext cx="5565473" cy="3264954"/>
+            <a:off x="4008211" y="700818"/>
+            <a:ext cx="7817448" cy="5814969"/>
+            <a:chOff x="4008211" y="700818"/>
+            <a:chExt cx="7817448" cy="5814969"/>
           </a:xfrm>
-          <a:prstGeom prst="rect">
-            <a:avLst/>
-          </a:prstGeom>
-        </p:spPr>
-      </p:pic>
-      <p:pic>
-        <p:nvPicPr>
-          <p:cNvPr id="13" name="그림 12">
-            <a:extLst>
-              <a:ext uri="{FF2B5EF4-FFF2-40B4-BE49-F238E27FC236}">
-                <a16:creationId xmlns:a16="http://schemas.microsoft.com/office/drawing/2014/main" id="{8ACDAE64-47DB-6843-1C8C-4C7C39CDDEBE}"/>
-              </a:ext>
-            </a:extLst>
-          </p:cNvPr>
-          <p:cNvPicPr>
-            <a:picLocks noChangeAspect="1"/>
-          </p:cNvPicPr>
-          <p:nvPr/>
-        </p:nvPicPr>
-        <p:blipFill>
-          <a:blip r:embed="rId4"/>
-          <a:stretch>
-            <a:fillRect/>
-          </a:stretch>
-        </p:blipFill>
-        <p:spPr>
-          <a:xfrm>
-            <a:off x="7300332" y="4293626"/>
-            <a:ext cx="129139" cy="634932"/>
-          </a:xfrm>
-          <a:prstGeom prst="rect">
-            <a:avLst/>
-          </a:prstGeom>
-        </p:spPr>
-      </p:pic>
-      <p:pic>
-        <p:nvPicPr>
-          <p:cNvPr id="15" name="그림 14">
-            <a:extLst>
-              <a:ext uri="{FF2B5EF4-FFF2-40B4-BE49-F238E27FC236}">
-                <a16:creationId xmlns:a16="http://schemas.microsoft.com/office/drawing/2014/main" id="{E3B7599F-EC0A-7022-AB5A-E8E0CA53257A}"/>
-              </a:ext>
-            </a:extLst>
-          </p:cNvPr>
-          <p:cNvPicPr>
-            <a:picLocks noChangeAspect="1"/>
-          </p:cNvPicPr>
-          <p:nvPr/>
-        </p:nvPicPr>
-        <p:blipFill>
-          <a:blip r:embed="rId5"/>
-          <a:stretch>
-            <a:fillRect/>
-          </a:stretch>
-        </p:blipFill>
-        <p:spPr>
-          <a:xfrm>
-            <a:off x="8042722" y="4304929"/>
-            <a:ext cx="2032171" cy="1901394"/>
-          </a:xfrm>
-          <a:prstGeom prst="rect">
-            <a:avLst/>
-          </a:prstGeom>
-        </p:spPr>
-      </p:pic>
-      <p:pic>
-        <p:nvPicPr>
-          <p:cNvPr id="3" name="그림 2">
-            <a:extLst>
-              <a:ext uri="{FF2B5EF4-FFF2-40B4-BE49-F238E27FC236}">
-                <a16:creationId xmlns:a16="http://schemas.microsoft.com/office/drawing/2014/main" id="{05EDDA92-A32E-0E27-2C70-BE5EA1C202F7}"/>
-              </a:ext>
-            </a:extLst>
-          </p:cNvPr>
-          <p:cNvPicPr>
-            <a:picLocks noChangeAspect="1"/>
-          </p:cNvPicPr>
-          <p:nvPr/>
-        </p:nvPicPr>
-        <p:blipFill>
-          <a:blip r:embed="rId6"/>
-          <a:stretch>
-            <a:fillRect/>
-          </a:stretch>
-        </p:blipFill>
-        <p:spPr>
-          <a:xfrm>
-            <a:off x="7180951" y="643467"/>
-            <a:ext cx="2774561" cy="3662077"/>
-          </a:xfrm>
-          <a:prstGeom prst="rect">
-            <a:avLst/>
-          </a:prstGeom>
-        </p:spPr>
-      </p:pic>
+        </p:grpSpPr>
+        <p:pic>
+          <p:nvPicPr>
+            <p:cNvPr id="15" name="그림 14">
+              <a:extLst>
+                <a:ext uri="{FF2B5EF4-FFF2-40B4-BE49-F238E27FC236}">
+                  <a16:creationId xmlns:a16="http://schemas.microsoft.com/office/drawing/2014/main" id="{E3B7599F-EC0A-7022-AB5A-E8E0CA53257A}"/>
+                </a:ext>
+              </a:extLst>
+            </p:cNvPr>
+            <p:cNvPicPr>
+              <a:picLocks noChangeAspect="1"/>
+            </p:cNvPicPr>
+            <p:nvPr/>
+          </p:nvPicPr>
+          <p:blipFill>
+            <a:blip r:embed="rId2"/>
+            <a:stretch>
+              <a:fillRect/>
+            </a:stretch>
+          </p:blipFill>
+          <p:spPr>
+            <a:xfrm>
+              <a:off x="9793488" y="4565844"/>
+              <a:ext cx="2032171" cy="1901394"/>
+            </a:xfrm>
+            <a:prstGeom prst="rect">
+              <a:avLst/>
+            </a:prstGeom>
+          </p:spPr>
+        </p:pic>
+        <p:pic>
+          <p:nvPicPr>
+            <p:cNvPr id="13" name="그림 12">
+              <a:extLst>
+                <a:ext uri="{FF2B5EF4-FFF2-40B4-BE49-F238E27FC236}">
+                  <a16:creationId xmlns:a16="http://schemas.microsoft.com/office/drawing/2014/main" id="{8ACDAE64-47DB-6843-1C8C-4C7C39CDDEBE}"/>
+                </a:ext>
+              </a:extLst>
+            </p:cNvPr>
+            <p:cNvPicPr>
+              <a:picLocks noChangeAspect="1"/>
+            </p:cNvPicPr>
+            <p:nvPr/>
+          </p:nvPicPr>
+          <p:blipFill>
+            <a:blip r:embed="rId3"/>
+            <a:stretch>
+              <a:fillRect/>
+            </a:stretch>
+          </p:blipFill>
+          <p:spPr>
+            <a:xfrm>
+              <a:off x="9207980" y="4565844"/>
+              <a:ext cx="129139" cy="634932"/>
+            </a:xfrm>
+            <a:prstGeom prst="rect">
+              <a:avLst/>
+            </a:prstGeom>
+          </p:spPr>
+        </p:pic>
+        <p:pic>
+          <p:nvPicPr>
+            <p:cNvPr id="5" name="그림 4">
+              <a:extLst>
+                <a:ext uri="{FF2B5EF4-FFF2-40B4-BE49-F238E27FC236}">
+                  <a16:creationId xmlns:a16="http://schemas.microsoft.com/office/drawing/2014/main" id="{05B3C164-BA62-95B0-957D-34057EB319F9}"/>
+                </a:ext>
+              </a:extLst>
+            </p:cNvPr>
+            <p:cNvPicPr>
+              <a:picLocks noChangeAspect="1"/>
+            </p:cNvPicPr>
+            <p:nvPr/>
+          </p:nvPicPr>
+          <p:blipFill>
+            <a:blip r:embed="rId4"/>
+            <a:stretch>
+              <a:fillRect/>
+            </a:stretch>
+          </p:blipFill>
+          <p:spPr>
+            <a:xfrm>
+              <a:off x="4008211" y="3250833"/>
+              <a:ext cx="5565473" cy="3264954"/>
+            </a:xfrm>
+            <a:prstGeom prst="rect">
+              <a:avLst/>
+            </a:prstGeom>
+          </p:spPr>
+        </p:pic>
+        <p:pic>
+          <p:nvPicPr>
+            <p:cNvPr id="9" name="그림 8">
+              <a:extLst>
+                <a:ext uri="{FF2B5EF4-FFF2-40B4-BE49-F238E27FC236}">
+                  <a16:creationId xmlns:a16="http://schemas.microsoft.com/office/drawing/2014/main" id="{C355B85C-BFA6-4782-83A2-DF9F904748CA}"/>
+                </a:ext>
+              </a:extLst>
+            </p:cNvPr>
+            <p:cNvPicPr>
+              <a:picLocks noChangeAspect="1"/>
+            </p:cNvPicPr>
+            <p:nvPr/>
+          </p:nvPicPr>
+          <p:blipFill>
+            <a:blip r:embed="rId5">
+              <a:extLst>
+                <a:ext uri="{28A0092B-C50C-407E-A947-70E740481C1C}">
+                  <a14:useLocalDpi xmlns:a14="http://schemas.microsoft.com/office/drawing/2010/main" val="0"/>
+                </a:ext>
+              </a:extLst>
+            </a:blip>
+            <a:stretch>
+              <a:fillRect/>
+            </a:stretch>
+          </p:blipFill>
+          <p:spPr>
+            <a:xfrm>
+              <a:off x="5508783" y="700818"/>
+              <a:ext cx="3073653" cy="2534928"/>
+            </a:xfrm>
+            <a:prstGeom prst="rect">
+              <a:avLst/>
+            </a:prstGeom>
+          </p:spPr>
+        </p:pic>
+        <p:pic>
+          <p:nvPicPr>
+            <p:cNvPr id="3" name="그림 2">
+              <a:extLst>
+                <a:ext uri="{FF2B5EF4-FFF2-40B4-BE49-F238E27FC236}">
+                  <a16:creationId xmlns:a16="http://schemas.microsoft.com/office/drawing/2014/main" id="{05EDDA92-A32E-0E27-2C70-BE5EA1C202F7}"/>
+                </a:ext>
+              </a:extLst>
+            </p:cNvPr>
+            <p:cNvPicPr>
+              <a:picLocks noChangeAspect="1"/>
+            </p:cNvPicPr>
+            <p:nvPr/>
+          </p:nvPicPr>
+          <p:blipFill>
+            <a:blip r:embed="rId6"/>
+            <a:stretch>
+              <a:fillRect/>
+            </a:stretch>
+          </p:blipFill>
+          <p:spPr>
+            <a:xfrm>
+              <a:off x="9051098" y="700818"/>
+              <a:ext cx="2774561" cy="3662077"/>
+            </a:xfrm>
+            <a:prstGeom prst="rect">
+              <a:avLst/>
+            </a:prstGeom>
+          </p:spPr>
+        </p:pic>
+      </p:grpSp>
     </p:spTree>
     <p:extLst>
       <p:ext uri="{BB962C8B-B14F-4D97-AF65-F5344CB8AC3E}">
         <p14:creationId xmlns:p14="http://schemas.microsoft.com/office/powerpoint/2010/main" val="2593410159"/>
-      </p:ext>
-    </p:extLst>
-  </p:cSld>
-  <p:clrMapOvr>
-    <a:masterClrMapping/>
-  </p:clrMapOvr>
-</p:sld>
-</file>
-
-<file path=ppt/slides/slide3.xml><?xml version="1.0" encoding="utf-8"?>
-<p:sld xmlns:a="http://schemas.openxmlformats.org/drawingml/2006/main" xmlns:r="http://schemas.openxmlformats.org/officeDocument/2006/relationships" xmlns:p="http://schemas.openxmlformats.org/presentationml/2006/main">
-  <p:cSld>
-    <p:bg>
-      <p:bgPr>
-        <a:solidFill>
-          <a:schemeClr val="bg1"/>
-        </a:solidFill>
-        <a:effectLst/>
-      </p:bgPr>
-    </p:bg>
-    <p:spTree>
-      <p:nvGrpSpPr>
-        <p:cNvPr id="1" name=""/>
-        <p:cNvGrpSpPr/>
-        <p:nvPr/>
-      </p:nvGrpSpPr>
-      <p:grpSpPr>
-        <a:xfrm>
-          <a:off x="0" y="0"/>
-          <a:ext cx="0" cy="0"/>
-          <a:chOff x="0" y="0"/>
-          <a:chExt cx="0" cy="0"/>
-        </a:xfrm>
-      </p:grpSpPr>
-      <p:sp>
-        <p:nvSpPr>
-          <p:cNvPr id="26" name="Rectangle 25">
-            <a:extLst>
-              <a:ext uri="{FF2B5EF4-FFF2-40B4-BE49-F238E27FC236}">
-                <a16:creationId xmlns:a16="http://schemas.microsoft.com/office/drawing/2014/main" id="{F3060C83-F051-4F0E-ABAD-AA0DFC48B218}"/>
-              </a:ext>
-              <a:ext uri="{C183D7F6-B498-43B3-948B-1728B52AA6E4}">
-                <adec:decorative xmlns:adec="http://schemas.microsoft.com/office/drawing/2017/decorative" val="1"/>
-              </a:ext>
-            </a:extLst>
-          </p:cNvPr>
-          <p:cNvSpPr>
-            <a:spLocks noGrp="1" noRot="1" noChangeAspect="1" noMove="1" noResize="1" noEditPoints="1" noAdjustHandles="1" noChangeArrowheads="1" noChangeShapeType="1" noTextEdit="1"/>
-          </p:cNvSpPr>
-          <p:nvPr>
-            <p:extLst>
-              <p:ext uri="{386F3935-93C4-4BCD-93E2-E3B085C9AB24}">
-                <p16:designElem xmlns:p16="http://schemas.microsoft.com/office/powerpoint/2015/main" val="1"/>
-              </p:ext>
-            </p:extLst>
-          </p:nvPr>
-        </p:nvSpPr>
-        <p:spPr>
-          <a:xfrm>
-            <a:off x="0" y="0"/>
-            <a:ext cx="12192000" cy="6858000"/>
-          </a:xfrm>
-          <a:prstGeom prst="rect">
-            <a:avLst/>
-          </a:prstGeom>
-          <a:solidFill>
-            <a:schemeClr val="bg1"/>
-          </a:solidFill>
-          <a:ln>
-            <a:noFill/>
-          </a:ln>
-        </p:spPr>
-        <p:style>
-          <a:lnRef idx="2">
-            <a:schemeClr val="accent1">
-              <a:shade val="50000"/>
-            </a:schemeClr>
-          </a:lnRef>
-          <a:fillRef idx="1">
-            <a:schemeClr val="accent1"/>
-          </a:fillRef>
-          <a:effectRef idx="0">
-            <a:schemeClr val="accent1"/>
-          </a:effectRef>
-          <a:fontRef idx="minor">
-            <a:schemeClr val="lt1"/>
-          </a:fontRef>
-        </p:style>
-        <p:txBody>
-          <a:bodyPr rtlCol="0" anchor="ctr"/>
-          <a:lstStyle/>
-          <a:p>
-            <a:pPr algn="ctr"/>
-            <a:endParaRPr lang="en-US" dirty="0"/>
-          </a:p>
-        </p:txBody>
-      </p:sp>
-      <p:sp>
-        <p:nvSpPr>
-          <p:cNvPr id="28" name="Freeform: Shape 27">
-            <a:extLst>
-              <a:ext uri="{FF2B5EF4-FFF2-40B4-BE49-F238E27FC236}">
-                <a16:creationId xmlns:a16="http://schemas.microsoft.com/office/drawing/2014/main" id="{83C98ABE-055B-441F-B07E-44F97F083C39}"/>
-              </a:ext>
-              <a:ext uri="{C183D7F6-B498-43B3-948B-1728B52AA6E4}">
-                <adec:decorative xmlns:adec="http://schemas.microsoft.com/office/drawing/2017/decorative" val="1"/>
-              </a:ext>
-            </a:extLst>
-          </p:cNvPr>
-          <p:cNvSpPr>
-            <a:spLocks noGrp="1" noRot="1" noChangeAspect="1" noMove="1" noResize="1" noEditPoints="1" noAdjustHandles="1" noChangeArrowheads="1" noChangeShapeType="1" noTextEdit="1"/>
-          </p:cNvSpPr>
-          <p:nvPr>
-            <p:extLst>
-              <p:ext uri="{386F3935-93C4-4BCD-93E2-E3B085C9AB24}">
-                <p16:designElem xmlns:p16="http://schemas.microsoft.com/office/powerpoint/2015/main" val="1"/>
-              </p:ext>
-            </p:extLst>
-          </p:nvPr>
-        </p:nvSpPr>
-        <p:spPr>
-          <a:xfrm rot="18900000" flipH="1">
-            <a:off x="-376156" y="-253670"/>
-            <a:ext cx="1827638" cy="1376989"/>
-          </a:xfrm>
-          <a:custGeom>
-            <a:avLst/>
-            <a:gdLst>
-              <a:gd name="connsiteX0" fmla="*/ 0 w 1827638"/>
-              <a:gd name="connsiteY0" fmla="*/ 987379 h 1376989"/>
-              <a:gd name="connsiteX1" fmla="*/ 987379 w 1827638"/>
-              <a:gd name="connsiteY1" fmla="*/ 0 h 1376989"/>
-              <a:gd name="connsiteX2" fmla="*/ 1827638 w 1827638"/>
-              <a:gd name="connsiteY2" fmla="*/ 840260 h 1376989"/>
-              <a:gd name="connsiteX3" fmla="*/ 1827638 w 1827638"/>
-              <a:gd name="connsiteY3" fmla="*/ 1376989 h 1376989"/>
-              <a:gd name="connsiteX4" fmla="*/ 0 w 1827638"/>
-              <a:gd name="connsiteY4" fmla="*/ 1376989 h 1376989"/>
-            </a:gdLst>
-            <a:ahLst/>
-            <a:cxnLst>
-              <a:cxn ang="0">
-                <a:pos x="connsiteX0" y="connsiteY0"/>
-              </a:cxn>
-              <a:cxn ang="0">
-                <a:pos x="connsiteX1" y="connsiteY1"/>
-              </a:cxn>
-              <a:cxn ang="0">
-                <a:pos x="connsiteX2" y="connsiteY2"/>
-              </a:cxn>
-              <a:cxn ang="0">
-                <a:pos x="connsiteX3" y="connsiteY3"/>
-              </a:cxn>
-              <a:cxn ang="0">
-                <a:pos x="connsiteX4" y="connsiteY4"/>
-              </a:cxn>
-            </a:cxnLst>
-            <a:rect l="l" t="t" r="r" b="b"/>
-            <a:pathLst>
-              <a:path w="1827638" h="1376989">
-                <a:moveTo>
-                  <a:pt x="0" y="987379"/>
-                </a:moveTo>
-                <a:lnTo>
-                  <a:pt x="987379" y="0"/>
-                </a:lnTo>
-                <a:lnTo>
-                  <a:pt x="1827638" y="840260"/>
-                </a:lnTo>
-                <a:lnTo>
-                  <a:pt x="1827638" y="1376989"/>
-                </a:lnTo>
-                <a:lnTo>
-                  <a:pt x="0" y="1376989"/>
-                </a:lnTo>
-                <a:close/>
-              </a:path>
-            </a:pathLst>
-          </a:custGeom>
-          <a:solidFill>
-            <a:schemeClr val="accent1">
-              <a:alpha val="30000"/>
-            </a:schemeClr>
-          </a:solidFill>
-          <a:ln>
-            <a:noFill/>
-          </a:ln>
-        </p:spPr>
-        <p:style>
-          <a:lnRef idx="2">
-            <a:schemeClr val="accent1">
-              <a:shade val="50000"/>
-            </a:schemeClr>
-          </a:lnRef>
-          <a:fillRef idx="1">
-            <a:schemeClr val="accent1"/>
-          </a:fillRef>
-          <a:effectRef idx="0">
-            <a:schemeClr val="accent1"/>
-          </a:effectRef>
-          <a:fontRef idx="minor">
-            <a:schemeClr val="lt1"/>
-          </a:fontRef>
-        </p:style>
-        <p:txBody>
-          <a:bodyPr rtlCol="0" anchor="ctr"/>
-          <a:lstStyle/>
-          <a:p>
-            <a:pPr algn="ctr"/>
-            <a:endParaRPr lang="en-US" dirty="0"/>
-          </a:p>
-        </p:txBody>
-      </p:sp>
-      <p:sp>
-        <p:nvSpPr>
-          <p:cNvPr id="30" name="Rectangle 29">
-            <a:extLst>
-              <a:ext uri="{FF2B5EF4-FFF2-40B4-BE49-F238E27FC236}">
-                <a16:creationId xmlns:a16="http://schemas.microsoft.com/office/drawing/2014/main" id="{29FDB030-9B49-4CED-8CCD-4D99382388AC}"/>
-              </a:ext>
-              <a:ext uri="{C183D7F6-B498-43B3-948B-1728B52AA6E4}">
-                <adec:decorative xmlns:adec="http://schemas.microsoft.com/office/drawing/2017/decorative" val="1"/>
-              </a:ext>
-            </a:extLst>
-          </p:cNvPr>
-          <p:cNvSpPr>
-            <a:spLocks noGrp="1" noRot="1" noChangeAspect="1" noMove="1" noResize="1" noEditPoints="1" noAdjustHandles="1" noChangeArrowheads="1" noChangeShapeType="1" noTextEdit="1"/>
-          </p:cNvSpPr>
-          <p:nvPr>
-            <p:extLst>
-              <p:ext uri="{386F3935-93C4-4BCD-93E2-E3B085C9AB24}">
-                <p16:designElem xmlns:p16="http://schemas.microsoft.com/office/powerpoint/2015/main" val="1"/>
-              </p:ext>
-            </p:extLst>
-          </p:nvPr>
-        </p:nvSpPr>
-        <p:spPr>
-          <a:xfrm rot="18900000" flipH="1">
-            <a:off x="891641" y="422146"/>
-            <a:ext cx="645368" cy="645368"/>
-          </a:xfrm>
-          <a:prstGeom prst="rect">
-            <a:avLst/>
-          </a:prstGeom>
-          <a:solidFill>
-            <a:schemeClr val="accent1">
-              <a:alpha val="30000"/>
-            </a:schemeClr>
-          </a:solidFill>
-          <a:ln>
-            <a:noFill/>
-          </a:ln>
-        </p:spPr>
-        <p:style>
-          <a:lnRef idx="2">
-            <a:schemeClr val="accent1">
-              <a:shade val="50000"/>
-            </a:schemeClr>
-          </a:lnRef>
-          <a:fillRef idx="1">
-            <a:schemeClr val="accent1"/>
-          </a:fillRef>
-          <a:effectRef idx="0">
-            <a:schemeClr val="accent1"/>
-          </a:effectRef>
-          <a:fontRef idx="minor">
-            <a:schemeClr val="lt1"/>
-          </a:fontRef>
-        </p:style>
-        <p:txBody>
-          <a:bodyPr rtlCol="0" anchor="ctr"/>
-          <a:lstStyle/>
-          <a:p>
-            <a:pPr algn="ctr"/>
-            <a:endParaRPr lang="en-US"/>
-          </a:p>
-        </p:txBody>
-      </p:sp>
-      <p:sp>
-        <p:nvSpPr>
-          <p:cNvPr id="32" name="Rectangle 31">
-            <a:extLst>
-              <a:ext uri="{FF2B5EF4-FFF2-40B4-BE49-F238E27FC236}">
-                <a16:creationId xmlns:a16="http://schemas.microsoft.com/office/drawing/2014/main" id="{3783CA14-24A1-485C-8B30-D6A5D87987AD}"/>
-              </a:ext>
-              <a:ext uri="{C183D7F6-B498-43B3-948B-1728B52AA6E4}">
-                <adec:decorative xmlns:adec="http://schemas.microsoft.com/office/drawing/2017/decorative" val="1"/>
-              </a:ext>
-            </a:extLst>
-          </p:cNvPr>
-          <p:cNvSpPr>
-            <a:spLocks noGrp="1" noRot="1" noChangeAspect="1" noMove="1" noResize="1" noEditPoints="1" noAdjustHandles="1" noChangeArrowheads="1" noChangeShapeType="1" noTextEdit="1"/>
-          </p:cNvSpPr>
-          <p:nvPr>
-            <p:extLst>
-              <p:ext uri="{386F3935-93C4-4BCD-93E2-E3B085C9AB24}">
-                <p16:designElem xmlns:p16="http://schemas.microsoft.com/office/powerpoint/2015/main" val="1"/>
-              </p:ext>
-            </p:extLst>
-          </p:nvPr>
-        </p:nvSpPr>
-        <p:spPr>
-          <a:xfrm rot="18900000" flipH="1">
-            <a:off x="10043482" y="655140"/>
-            <a:ext cx="687472" cy="687472"/>
-          </a:xfrm>
-          <a:prstGeom prst="rect">
-            <a:avLst/>
-          </a:prstGeom>
-          <a:solidFill>
-            <a:schemeClr val="accent4">
-              <a:alpha val="30000"/>
-            </a:schemeClr>
-          </a:solidFill>
-          <a:ln>
-            <a:noFill/>
-          </a:ln>
-        </p:spPr>
-        <p:style>
-          <a:lnRef idx="2">
-            <a:schemeClr val="accent1">
-              <a:shade val="50000"/>
-            </a:schemeClr>
-          </a:lnRef>
-          <a:fillRef idx="1">
-            <a:schemeClr val="accent1"/>
-          </a:fillRef>
-          <a:effectRef idx="0">
-            <a:schemeClr val="accent1"/>
-          </a:effectRef>
-          <a:fontRef idx="minor">
-            <a:schemeClr val="lt1"/>
-          </a:fontRef>
-        </p:style>
-        <p:txBody>
-          <a:bodyPr rtlCol="0" anchor="ctr"/>
-          <a:lstStyle/>
-          <a:p>
-            <a:pPr algn="ctr"/>
-            <a:endParaRPr lang="en-US"/>
-          </a:p>
-        </p:txBody>
-      </p:sp>
-      <p:sp>
-        <p:nvSpPr>
-          <p:cNvPr id="34" name="Freeform: Shape 33">
-            <a:extLst>
-              <a:ext uri="{FF2B5EF4-FFF2-40B4-BE49-F238E27FC236}">
-                <a16:creationId xmlns:a16="http://schemas.microsoft.com/office/drawing/2014/main" id="{9A97C86A-04D6-40F7-AE84-31AB43E6A846}"/>
-              </a:ext>
-              <a:ext uri="{C183D7F6-B498-43B3-948B-1728B52AA6E4}">
-                <adec:decorative xmlns:adec="http://schemas.microsoft.com/office/drawing/2017/decorative" val="1"/>
-              </a:ext>
-            </a:extLst>
-          </p:cNvPr>
-          <p:cNvSpPr>
-            <a:spLocks noGrp="1" noRot="1" noChangeAspect="1" noMove="1" noResize="1" noEditPoints="1" noAdjustHandles="1" noChangeArrowheads="1" noChangeShapeType="1" noTextEdit="1"/>
-          </p:cNvSpPr>
-          <p:nvPr>
-            <p:extLst>
-              <p:ext uri="{386F3935-93C4-4BCD-93E2-E3B085C9AB24}">
-                <p16:designElem xmlns:p16="http://schemas.microsoft.com/office/powerpoint/2015/main" val="1"/>
-              </p:ext>
-            </p:extLst>
-          </p:nvPr>
-        </p:nvSpPr>
-        <p:spPr>
-          <a:xfrm rot="10800000" flipH="1">
-            <a:off x="9356643" y="0"/>
-            <a:ext cx="2835357" cy="1480837"/>
-          </a:xfrm>
-          <a:custGeom>
-            <a:avLst/>
-            <a:gdLst>
-              <a:gd name="connsiteX0" fmla="*/ 2835357 w 2835357"/>
-              <a:gd name="connsiteY0" fmla="*/ 1480837 h 1480837"/>
-              <a:gd name="connsiteX1" fmla="*/ 0 w 2835357"/>
-              <a:gd name="connsiteY1" fmla="*/ 1480837 h 1480837"/>
-              <a:gd name="connsiteX2" fmla="*/ 1552727 w 2835357"/>
-              <a:gd name="connsiteY2" fmla="*/ 0 h 1480837"/>
-              <a:gd name="connsiteX3" fmla="*/ 2835357 w 2835357"/>
-              <a:gd name="connsiteY3" fmla="*/ 1223245 h 1480837"/>
-            </a:gdLst>
-            <a:ahLst/>
-            <a:cxnLst>
-              <a:cxn ang="0">
-                <a:pos x="connsiteX0" y="connsiteY0"/>
-              </a:cxn>
-              <a:cxn ang="0">
-                <a:pos x="connsiteX1" y="connsiteY1"/>
-              </a:cxn>
-              <a:cxn ang="0">
-                <a:pos x="connsiteX2" y="connsiteY2"/>
-              </a:cxn>
-              <a:cxn ang="0">
-                <a:pos x="connsiteX3" y="connsiteY3"/>
-              </a:cxn>
-            </a:cxnLst>
-            <a:rect l="l" t="t" r="r" b="b"/>
-            <a:pathLst>
-              <a:path w="2835357" h="1480837">
-                <a:moveTo>
-                  <a:pt x="2835357" y="1480837"/>
-                </a:moveTo>
-                <a:lnTo>
-                  <a:pt x="0" y="1480837"/>
-                </a:lnTo>
-                <a:lnTo>
-                  <a:pt x="1552727" y="0"/>
-                </a:lnTo>
-                <a:lnTo>
-                  <a:pt x="2835357" y="1223245"/>
-                </a:lnTo>
-                <a:close/>
-              </a:path>
-            </a:pathLst>
-          </a:custGeom>
-          <a:solidFill>
-            <a:schemeClr val="accent4">
-              <a:alpha val="30000"/>
-            </a:schemeClr>
-          </a:solidFill>
-          <a:ln>
-            <a:noFill/>
-          </a:ln>
-        </p:spPr>
-        <p:style>
-          <a:lnRef idx="2">
-            <a:schemeClr val="accent1">
-              <a:shade val="50000"/>
-            </a:schemeClr>
-          </a:lnRef>
-          <a:fillRef idx="1">
-            <a:schemeClr val="accent1"/>
-          </a:fillRef>
-          <a:effectRef idx="0">
-            <a:schemeClr val="accent1"/>
-          </a:effectRef>
-          <a:fontRef idx="minor">
-            <a:schemeClr val="lt1"/>
-          </a:fontRef>
-        </p:style>
-        <p:txBody>
-          <a:bodyPr wrap="square" rtlCol="0" anchor="ctr">
-            <a:noAutofit/>
-          </a:bodyPr>
-          <a:lstStyle/>
-          <a:p>
-            <a:pPr algn="ctr"/>
-            <a:endParaRPr lang="en-US" dirty="0"/>
-          </a:p>
-        </p:txBody>
-      </p:sp>
-      <p:sp>
-        <p:nvSpPr>
-          <p:cNvPr id="36" name="Isosceles Triangle 35">
-            <a:extLst>
-              <a:ext uri="{FF2B5EF4-FFF2-40B4-BE49-F238E27FC236}">
-                <a16:creationId xmlns:a16="http://schemas.microsoft.com/office/drawing/2014/main" id="{FF9F2414-84E8-453E-B1F3-389FDE8192D9}"/>
-              </a:ext>
-              <a:ext uri="{C183D7F6-B498-43B3-948B-1728B52AA6E4}">
-                <adec:decorative xmlns:adec="http://schemas.microsoft.com/office/drawing/2017/decorative" val="1"/>
-              </a:ext>
-            </a:extLst>
-          </p:cNvPr>
-          <p:cNvSpPr>
-            <a:spLocks noGrp="1" noRot="1" noChangeAspect="1" noMove="1" noResize="1" noEditPoints="1" noAdjustHandles="1" noChangeArrowheads="1" noChangeShapeType="1" noTextEdit="1"/>
-          </p:cNvSpPr>
-          <p:nvPr>
-            <p:extLst>
-              <p:ext uri="{386F3935-93C4-4BCD-93E2-E3B085C9AB24}">
-                <p16:designElem xmlns:p16="http://schemas.microsoft.com/office/powerpoint/2015/main" val="1"/>
-              </p:ext>
-            </p:extLst>
-          </p:nvPr>
-        </p:nvSpPr>
-        <p:spPr>
-          <a:xfrm flipH="1">
-            <a:off x="7976344" y="6115501"/>
-            <a:ext cx="1494513" cy="742499"/>
-          </a:xfrm>
-          <a:prstGeom prst="triangle">
-            <a:avLst/>
-          </a:prstGeom>
-          <a:solidFill>
-            <a:schemeClr val="accent1">
-              <a:alpha val="30000"/>
-            </a:schemeClr>
-          </a:solidFill>
-          <a:ln>
-            <a:noFill/>
-          </a:ln>
-        </p:spPr>
-        <p:style>
-          <a:lnRef idx="2">
-            <a:schemeClr val="accent1">
-              <a:shade val="50000"/>
-            </a:schemeClr>
-          </a:lnRef>
-          <a:fillRef idx="1">
-            <a:schemeClr val="accent1"/>
-          </a:fillRef>
-          <a:effectRef idx="0">
-            <a:schemeClr val="accent1"/>
-          </a:effectRef>
-          <a:fontRef idx="minor">
-            <a:schemeClr val="lt1"/>
-          </a:fontRef>
-        </p:style>
-        <p:txBody>
-          <a:bodyPr rtlCol="0" anchor="ctr"/>
-          <a:lstStyle/>
-          <a:p>
-            <a:pPr algn="ctr"/>
-            <a:endParaRPr lang="en-US"/>
-          </a:p>
-        </p:txBody>
-      </p:sp>
-      <p:pic>
-        <p:nvPicPr>
-          <p:cNvPr id="9" name="그림 8">
-            <a:extLst>
-              <a:ext uri="{FF2B5EF4-FFF2-40B4-BE49-F238E27FC236}">
-                <a16:creationId xmlns:a16="http://schemas.microsoft.com/office/drawing/2014/main" id="{C58A61A9-E8A9-1591-C1AC-CCBF62BC0448}"/>
-              </a:ext>
-            </a:extLst>
-          </p:cNvPr>
-          <p:cNvPicPr>
-            <a:picLocks noChangeAspect="1"/>
-          </p:cNvPicPr>
-          <p:nvPr/>
-        </p:nvPicPr>
-        <p:blipFill>
-          <a:blip r:embed="rId2"/>
-          <a:stretch>
-            <a:fillRect/>
-          </a:stretch>
-        </p:blipFill>
-        <p:spPr>
-          <a:xfrm>
-            <a:off x="1236674" y="643467"/>
-            <a:ext cx="4710224" cy="771502"/>
-          </a:xfrm>
-          <a:prstGeom prst="rect">
-            <a:avLst/>
-          </a:prstGeom>
-        </p:spPr>
-      </p:pic>
-      <p:sp>
-        <p:nvSpPr>
-          <p:cNvPr id="38" name="Isosceles Triangle 37">
-            <a:extLst>
-              <a:ext uri="{FF2B5EF4-FFF2-40B4-BE49-F238E27FC236}">
-                <a16:creationId xmlns:a16="http://schemas.microsoft.com/office/drawing/2014/main" id="{3ECA69A1-7536-43AC-85EF-C7106179F5ED}"/>
-              </a:ext>
-              <a:ext uri="{C183D7F6-B498-43B3-948B-1728B52AA6E4}">
-                <adec:decorative xmlns:adec="http://schemas.microsoft.com/office/drawing/2017/decorative" val="1"/>
-              </a:ext>
-            </a:extLst>
-          </p:cNvPr>
-          <p:cNvSpPr>
-            <a:spLocks noGrp="1" noRot="1" noChangeAspect="1" noMove="1" noResize="1" noEditPoints="1" noAdjustHandles="1" noChangeArrowheads="1" noChangeShapeType="1" noTextEdit="1"/>
-          </p:cNvSpPr>
-          <p:nvPr>
-            <p:extLst>
-              <p:ext uri="{386F3935-93C4-4BCD-93E2-E3B085C9AB24}">
-                <p16:designElem xmlns:p16="http://schemas.microsoft.com/office/powerpoint/2015/main" val="1"/>
-              </p:ext>
-            </p:extLst>
-          </p:nvPr>
-        </p:nvSpPr>
-        <p:spPr>
-          <a:xfrm flipH="1">
-            <a:off x="7604080" y="6453143"/>
-            <a:ext cx="814903" cy="404857"/>
-          </a:xfrm>
-          <a:prstGeom prst="triangle">
-            <a:avLst/>
-          </a:prstGeom>
-          <a:solidFill>
-            <a:schemeClr val="accent1">
-              <a:alpha val="30000"/>
-            </a:schemeClr>
-          </a:solidFill>
-          <a:ln>
-            <a:noFill/>
-          </a:ln>
-        </p:spPr>
-        <p:style>
-          <a:lnRef idx="2">
-            <a:schemeClr val="accent1">
-              <a:shade val="50000"/>
-            </a:schemeClr>
-          </a:lnRef>
-          <a:fillRef idx="1">
-            <a:schemeClr val="accent1"/>
-          </a:fillRef>
-          <a:effectRef idx="0">
-            <a:schemeClr val="accent1"/>
-          </a:effectRef>
-          <a:fontRef idx="minor">
-            <a:schemeClr val="lt1"/>
-          </a:fontRef>
-        </p:style>
-        <p:txBody>
-          <a:bodyPr rtlCol="0" anchor="ctr"/>
-          <a:lstStyle/>
-          <a:p>
-            <a:pPr algn="ctr"/>
-            <a:endParaRPr lang="en-US"/>
-          </a:p>
-        </p:txBody>
-      </p:sp>
-      <p:pic>
-        <p:nvPicPr>
-          <p:cNvPr id="19" name="그림 18">
-            <a:extLst>
-              <a:ext uri="{FF2B5EF4-FFF2-40B4-BE49-F238E27FC236}">
-                <a16:creationId xmlns:a16="http://schemas.microsoft.com/office/drawing/2014/main" id="{7AB7A7F5-2D7C-FD91-91B4-BE4649EC6C50}"/>
-              </a:ext>
-            </a:extLst>
-          </p:cNvPr>
-          <p:cNvPicPr>
-            <a:picLocks noChangeAspect="1"/>
-          </p:cNvPicPr>
-          <p:nvPr/>
-        </p:nvPicPr>
-        <p:blipFill>
-          <a:blip r:embed="rId3"/>
-          <a:stretch>
-            <a:fillRect/>
-          </a:stretch>
-        </p:blipFill>
-        <p:spPr>
-          <a:xfrm>
-            <a:off x="6135179" y="894026"/>
-            <a:ext cx="4905209" cy="3322378"/>
-          </a:xfrm>
-          <a:prstGeom prst="rect">
-            <a:avLst/>
-          </a:prstGeom>
-        </p:spPr>
-      </p:pic>
-      <p:pic>
-        <p:nvPicPr>
-          <p:cNvPr id="17" name="그림 16">
-            <a:extLst>
-              <a:ext uri="{FF2B5EF4-FFF2-40B4-BE49-F238E27FC236}">
-                <a16:creationId xmlns:a16="http://schemas.microsoft.com/office/drawing/2014/main" id="{EFAF4D91-8A73-9A58-C6F9-5794F27E4178}"/>
-              </a:ext>
-            </a:extLst>
-          </p:cNvPr>
-          <p:cNvPicPr>
-            <a:picLocks noChangeAspect="1"/>
-          </p:cNvPicPr>
-          <p:nvPr/>
-        </p:nvPicPr>
-        <p:blipFill>
-          <a:blip r:embed="rId4"/>
-          <a:stretch>
-            <a:fillRect/>
-          </a:stretch>
-        </p:blipFill>
-        <p:spPr>
-          <a:xfrm>
-            <a:off x="1237805" y="1638558"/>
-            <a:ext cx="4928716" cy="3933570"/>
-          </a:xfrm>
-          <a:prstGeom prst="rect">
-            <a:avLst/>
-          </a:prstGeom>
-        </p:spPr>
-      </p:pic>
-      <p:pic>
-        <p:nvPicPr>
-          <p:cNvPr id="21" name="그림 20">
-            <a:extLst>
-              <a:ext uri="{FF2B5EF4-FFF2-40B4-BE49-F238E27FC236}">
-                <a16:creationId xmlns:a16="http://schemas.microsoft.com/office/drawing/2014/main" id="{20F16F07-1F9E-A0B1-1DBE-70508E9979E1}"/>
-              </a:ext>
-            </a:extLst>
-          </p:cNvPr>
-          <p:cNvPicPr>
-            <a:picLocks noChangeAspect="1"/>
-          </p:cNvPicPr>
-          <p:nvPr/>
-        </p:nvPicPr>
-        <p:blipFill>
-          <a:blip r:embed="rId5"/>
-          <a:stretch>
-            <a:fillRect/>
-          </a:stretch>
-        </p:blipFill>
-        <p:spPr>
-          <a:xfrm>
-            <a:off x="6213537" y="4216404"/>
-            <a:ext cx="4826851" cy="1998128"/>
-          </a:xfrm>
-          <a:prstGeom prst="rect">
-            <a:avLst/>
-          </a:prstGeom>
-        </p:spPr>
-      </p:pic>
-    </p:spTree>
-    <p:extLst>
-      <p:ext uri="{BB962C8B-B14F-4D97-AF65-F5344CB8AC3E}">
-        <p14:creationId xmlns:p14="http://schemas.microsoft.com/office/powerpoint/2010/main" val="366306617"/>
       </p:ext>
     </p:extLst>
   </p:cSld>
